--- a/PPT D1.pptx
+++ b/PPT D1.pptx
@@ -110,7 +110,7 @@
   </p:defaultTextStyle>
   <p:extLst>
     <p:ext uri="{EFAFB233-063F-42B5-8137-9DF3F51BA10A}">
-      <p15:sldGuideLst xmlns:p15="http://schemas.microsoft.com/office/powerpoint/2012/main"/>
+      <p15:sldGuideLst xmlns:p15="http://schemas.microsoft.com/office/powerpoint/2012/main" xmlns=""/>
     </p:ext>
   </p:extLst>
 </p:presentation>
@@ -138,7 +138,7 @@
           <p:cNvPr id="2" name="제목 1">
             <a:extLst>
               <a:ext uri="{FF2B5EF4-FFF2-40B4-BE49-F238E27FC236}">
-                <a16:creationId xmlns:a16="http://schemas.microsoft.com/office/drawing/2014/main" id="{931586BD-0F56-465E-90DD-4F7EB5C22C46}"/>
+                <a16:creationId xmlns:a16="http://schemas.microsoft.com/office/drawing/2014/main" xmlns="" id="{931586BD-0F56-465E-90DD-4F7EB5C22C46}"/>
               </a:ext>
             </a:extLst>
           </p:cNvPr>
@@ -175,7 +175,7 @@
           <p:cNvPr id="3" name="부제목 2">
             <a:extLst>
               <a:ext uri="{FF2B5EF4-FFF2-40B4-BE49-F238E27FC236}">
-                <a16:creationId xmlns:a16="http://schemas.microsoft.com/office/drawing/2014/main" id="{D62D75AF-8D7E-477A-B06A-773B54B18A37}"/>
+                <a16:creationId xmlns:a16="http://schemas.microsoft.com/office/drawing/2014/main" xmlns="" id="{D62D75AF-8D7E-477A-B06A-773B54B18A37}"/>
               </a:ext>
             </a:extLst>
           </p:cNvPr>
@@ -245,7 +245,7 @@
           <p:cNvPr id="4" name="날짜 개체 틀 3">
             <a:extLst>
               <a:ext uri="{FF2B5EF4-FFF2-40B4-BE49-F238E27FC236}">
-                <a16:creationId xmlns:a16="http://schemas.microsoft.com/office/drawing/2014/main" id="{822D08B3-A9A6-4CA5-94A5-60BE4193B856}"/>
+                <a16:creationId xmlns:a16="http://schemas.microsoft.com/office/drawing/2014/main" xmlns="" id="{822D08B3-A9A6-4CA5-94A5-60BE4193B856}"/>
               </a:ext>
             </a:extLst>
           </p:cNvPr>
@@ -270,7 +270,7 @@
                 </a:solidFill>
               </a:rPr>
               <a:pPr/>
-              <a:t>2022-11-18</a:t>
+              <a:t>2022-11-20</a:t>
             </a:fld>
             <a:endParaRPr lang="ko-KR" altLang="en-US" dirty="0">
               <a:solidFill>
@@ -287,7 +287,7 @@
           <p:cNvPr id="5" name="바닥글 개체 틀 4">
             <a:extLst>
               <a:ext uri="{FF2B5EF4-FFF2-40B4-BE49-F238E27FC236}">
-                <a16:creationId xmlns:a16="http://schemas.microsoft.com/office/drawing/2014/main" id="{825B2C64-F6D0-4564-A934-9F517F7C49AB}"/>
+                <a16:creationId xmlns:a16="http://schemas.microsoft.com/office/drawing/2014/main" xmlns="" id="{825B2C64-F6D0-4564-A934-9F517F7C49AB}"/>
               </a:ext>
             </a:extLst>
           </p:cNvPr>
@@ -318,7 +318,7 @@
           <p:cNvPr id="6" name="슬라이드 번호 개체 틀 5">
             <a:extLst>
               <a:ext uri="{FF2B5EF4-FFF2-40B4-BE49-F238E27FC236}">
-                <a16:creationId xmlns:a16="http://schemas.microsoft.com/office/drawing/2014/main" id="{73881C62-2657-4643-9CC9-89D68799A768}"/>
+                <a16:creationId xmlns:a16="http://schemas.microsoft.com/office/drawing/2014/main" xmlns="" id="{73881C62-2657-4643-9CC9-89D68799A768}"/>
               </a:ext>
             </a:extLst>
           </p:cNvPr>
@@ -390,7 +390,7 @@
           <p:cNvPr id="2" name="제목 1">
             <a:extLst>
               <a:ext uri="{FF2B5EF4-FFF2-40B4-BE49-F238E27FC236}">
-                <a16:creationId xmlns:a16="http://schemas.microsoft.com/office/drawing/2014/main" id="{0098AADC-F389-4BCD-9E52-49B7E64907E8}"/>
+                <a16:creationId xmlns:a16="http://schemas.microsoft.com/office/drawing/2014/main" xmlns="" id="{0098AADC-F389-4BCD-9E52-49B7E64907E8}"/>
               </a:ext>
             </a:extLst>
           </p:cNvPr>
@@ -418,7 +418,7 @@
           <p:cNvPr id="3" name="세로 텍스트 개체 틀 2">
             <a:extLst>
               <a:ext uri="{FF2B5EF4-FFF2-40B4-BE49-F238E27FC236}">
-                <a16:creationId xmlns:a16="http://schemas.microsoft.com/office/drawing/2014/main" id="{E1A3D60F-143D-47A7-90DD-8D2052D74E44}"/>
+                <a16:creationId xmlns:a16="http://schemas.microsoft.com/office/drawing/2014/main" xmlns="" id="{E1A3D60F-143D-47A7-90DD-8D2052D74E44}"/>
               </a:ext>
             </a:extLst>
           </p:cNvPr>
@@ -475,7 +475,7 @@
           <p:cNvPr id="4" name="날짜 개체 틀 3">
             <a:extLst>
               <a:ext uri="{FF2B5EF4-FFF2-40B4-BE49-F238E27FC236}">
-                <a16:creationId xmlns:a16="http://schemas.microsoft.com/office/drawing/2014/main" id="{98D2913F-34A8-4E19-BE54-298D842C8B47}"/>
+                <a16:creationId xmlns:a16="http://schemas.microsoft.com/office/drawing/2014/main" xmlns="" id="{98D2913F-34A8-4E19-BE54-298D842C8B47}"/>
               </a:ext>
             </a:extLst>
           </p:cNvPr>
@@ -500,7 +500,7 @@
                 </a:solidFill>
               </a:rPr>
               <a:pPr/>
-              <a:t>2022-11-18</a:t>
+              <a:t>2022-11-20</a:t>
             </a:fld>
             <a:endParaRPr lang="ko-KR" altLang="en-US" dirty="0">
               <a:solidFill>
@@ -517,7 +517,7 @@
           <p:cNvPr id="5" name="바닥글 개체 틀 4">
             <a:extLst>
               <a:ext uri="{FF2B5EF4-FFF2-40B4-BE49-F238E27FC236}">
-                <a16:creationId xmlns:a16="http://schemas.microsoft.com/office/drawing/2014/main" id="{C86ADB15-0821-4678-8A84-0615C961873F}"/>
+                <a16:creationId xmlns:a16="http://schemas.microsoft.com/office/drawing/2014/main" xmlns="" id="{C86ADB15-0821-4678-8A84-0615C961873F}"/>
               </a:ext>
             </a:extLst>
           </p:cNvPr>
@@ -548,7 +548,7 @@
           <p:cNvPr id="6" name="슬라이드 번호 개체 틀 5">
             <a:extLst>
               <a:ext uri="{FF2B5EF4-FFF2-40B4-BE49-F238E27FC236}">
-                <a16:creationId xmlns:a16="http://schemas.microsoft.com/office/drawing/2014/main" id="{FE5E1647-A311-42C8-900F-03252A535EA8}"/>
+                <a16:creationId xmlns:a16="http://schemas.microsoft.com/office/drawing/2014/main" xmlns="" id="{FE5E1647-A311-42C8-900F-03252A535EA8}"/>
               </a:ext>
             </a:extLst>
           </p:cNvPr>
@@ -620,7 +620,7 @@
           <p:cNvPr id="2" name="세로 제목 1">
             <a:extLst>
               <a:ext uri="{FF2B5EF4-FFF2-40B4-BE49-F238E27FC236}">
-                <a16:creationId xmlns:a16="http://schemas.microsoft.com/office/drawing/2014/main" id="{742E21EA-AC61-43C5-AA22-71763E0491C3}"/>
+                <a16:creationId xmlns:a16="http://schemas.microsoft.com/office/drawing/2014/main" xmlns="" id="{742E21EA-AC61-43C5-AA22-71763E0491C3}"/>
               </a:ext>
             </a:extLst>
           </p:cNvPr>
@@ -653,7 +653,7 @@
           <p:cNvPr id="3" name="세로 텍스트 개체 틀 2">
             <a:extLst>
               <a:ext uri="{FF2B5EF4-FFF2-40B4-BE49-F238E27FC236}">
-                <a16:creationId xmlns:a16="http://schemas.microsoft.com/office/drawing/2014/main" id="{7ED08377-D434-4883-933D-05403373BCD6}"/>
+                <a16:creationId xmlns:a16="http://schemas.microsoft.com/office/drawing/2014/main" xmlns="" id="{7ED08377-D434-4883-933D-05403373BCD6}"/>
               </a:ext>
             </a:extLst>
           </p:cNvPr>
@@ -715,7 +715,7 @@
           <p:cNvPr id="4" name="날짜 개체 틀 3">
             <a:extLst>
               <a:ext uri="{FF2B5EF4-FFF2-40B4-BE49-F238E27FC236}">
-                <a16:creationId xmlns:a16="http://schemas.microsoft.com/office/drawing/2014/main" id="{B76BEFAE-52A5-4771-A24E-66D37EDBFE49}"/>
+                <a16:creationId xmlns:a16="http://schemas.microsoft.com/office/drawing/2014/main" xmlns="" id="{B76BEFAE-52A5-4771-A24E-66D37EDBFE49}"/>
               </a:ext>
             </a:extLst>
           </p:cNvPr>
@@ -740,7 +740,7 @@
                 </a:solidFill>
               </a:rPr>
               <a:pPr/>
-              <a:t>2022-11-18</a:t>
+              <a:t>2022-11-20</a:t>
             </a:fld>
             <a:endParaRPr lang="ko-KR" altLang="en-US" dirty="0">
               <a:solidFill>
@@ -757,7 +757,7 @@
           <p:cNvPr id="5" name="바닥글 개체 틀 4">
             <a:extLst>
               <a:ext uri="{FF2B5EF4-FFF2-40B4-BE49-F238E27FC236}">
-                <a16:creationId xmlns:a16="http://schemas.microsoft.com/office/drawing/2014/main" id="{67F5FDAD-E360-45AB-9254-5D5A1437A3E2}"/>
+                <a16:creationId xmlns:a16="http://schemas.microsoft.com/office/drawing/2014/main" xmlns="" id="{67F5FDAD-E360-45AB-9254-5D5A1437A3E2}"/>
               </a:ext>
             </a:extLst>
           </p:cNvPr>
@@ -788,7 +788,7 @@
           <p:cNvPr id="6" name="슬라이드 번호 개체 틀 5">
             <a:extLst>
               <a:ext uri="{FF2B5EF4-FFF2-40B4-BE49-F238E27FC236}">
-                <a16:creationId xmlns:a16="http://schemas.microsoft.com/office/drawing/2014/main" id="{B879758A-1063-49CC-A47B-5A24925A912D}"/>
+                <a16:creationId xmlns:a16="http://schemas.microsoft.com/office/drawing/2014/main" xmlns="" id="{B879758A-1063-49CC-A47B-5A24925A912D}"/>
               </a:ext>
             </a:extLst>
           </p:cNvPr>
@@ -860,7 +860,7 @@
           <p:cNvPr id="2" name="제목 1">
             <a:extLst>
               <a:ext uri="{FF2B5EF4-FFF2-40B4-BE49-F238E27FC236}">
-                <a16:creationId xmlns:a16="http://schemas.microsoft.com/office/drawing/2014/main" id="{BC9BCD5E-CF2F-45CD-A1C5-FACE037AE6D6}"/>
+                <a16:creationId xmlns:a16="http://schemas.microsoft.com/office/drawing/2014/main" xmlns="" id="{BC9BCD5E-CF2F-45CD-A1C5-FACE037AE6D6}"/>
               </a:ext>
             </a:extLst>
           </p:cNvPr>
@@ -888,7 +888,7 @@
           <p:cNvPr id="3" name="내용 개체 틀 2">
             <a:extLst>
               <a:ext uri="{FF2B5EF4-FFF2-40B4-BE49-F238E27FC236}">
-                <a16:creationId xmlns:a16="http://schemas.microsoft.com/office/drawing/2014/main" id="{06340CAA-7987-4F30-B10A-034CDBA23AC4}"/>
+                <a16:creationId xmlns:a16="http://schemas.microsoft.com/office/drawing/2014/main" xmlns="" id="{06340CAA-7987-4F30-B10A-034CDBA23AC4}"/>
               </a:ext>
             </a:extLst>
           </p:cNvPr>
@@ -945,7 +945,7 @@
           <p:cNvPr id="4" name="날짜 개체 틀 3">
             <a:extLst>
               <a:ext uri="{FF2B5EF4-FFF2-40B4-BE49-F238E27FC236}">
-                <a16:creationId xmlns:a16="http://schemas.microsoft.com/office/drawing/2014/main" id="{208DEE94-B9EB-437B-B87B-4D63439559CF}"/>
+                <a16:creationId xmlns:a16="http://schemas.microsoft.com/office/drawing/2014/main" xmlns="" id="{208DEE94-B9EB-437B-B87B-4D63439559CF}"/>
               </a:ext>
             </a:extLst>
           </p:cNvPr>
@@ -970,7 +970,7 @@
                 </a:solidFill>
               </a:rPr>
               <a:pPr/>
-              <a:t>2022-11-18</a:t>
+              <a:t>2022-11-20</a:t>
             </a:fld>
             <a:endParaRPr lang="ko-KR" altLang="en-US" dirty="0">
               <a:solidFill>
@@ -987,7 +987,7 @@
           <p:cNvPr id="5" name="바닥글 개체 틀 4">
             <a:extLst>
               <a:ext uri="{FF2B5EF4-FFF2-40B4-BE49-F238E27FC236}">
-                <a16:creationId xmlns:a16="http://schemas.microsoft.com/office/drawing/2014/main" id="{20C7A974-A07A-49C2-B147-F6EC850539C3}"/>
+                <a16:creationId xmlns:a16="http://schemas.microsoft.com/office/drawing/2014/main" xmlns="" id="{20C7A974-A07A-49C2-B147-F6EC850539C3}"/>
               </a:ext>
             </a:extLst>
           </p:cNvPr>
@@ -1018,7 +1018,7 @@
           <p:cNvPr id="6" name="슬라이드 번호 개체 틀 5">
             <a:extLst>
               <a:ext uri="{FF2B5EF4-FFF2-40B4-BE49-F238E27FC236}">
-                <a16:creationId xmlns:a16="http://schemas.microsoft.com/office/drawing/2014/main" id="{894EDD24-940C-445F-B974-623173FA1A40}"/>
+                <a16:creationId xmlns:a16="http://schemas.microsoft.com/office/drawing/2014/main" xmlns="" id="{894EDD24-940C-445F-B974-623173FA1A40}"/>
               </a:ext>
             </a:extLst>
           </p:cNvPr>
@@ -1090,7 +1090,7 @@
           <p:cNvPr id="2" name="제목 1">
             <a:extLst>
               <a:ext uri="{FF2B5EF4-FFF2-40B4-BE49-F238E27FC236}">
-                <a16:creationId xmlns:a16="http://schemas.microsoft.com/office/drawing/2014/main" id="{6955FC26-2554-4ACE-AD62-BF4C0D1507CE}"/>
+                <a16:creationId xmlns:a16="http://schemas.microsoft.com/office/drawing/2014/main" xmlns="" id="{6955FC26-2554-4ACE-AD62-BF4C0D1507CE}"/>
               </a:ext>
             </a:extLst>
           </p:cNvPr>
@@ -1127,7 +1127,7 @@
           <p:cNvPr id="3" name="텍스트 개체 틀 2">
             <a:extLst>
               <a:ext uri="{FF2B5EF4-FFF2-40B4-BE49-F238E27FC236}">
-                <a16:creationId xmlns:a16="http://schemas.microsoft.com/office/drawing/2014/main" id="{35F7A203-776E-48E1-8F52-E0C0617239D8}"/>
+                <a16:creationId xmlns:a16="http://schemas.microsoft.com/office/drawing/2014/main" xmlns="" id="{35F7A203-776E-48E1-8F52-E0C0617239D8}"/>
               </a:ext>
             </a:extLst>
           </p:cNvPr>
@@ -1252,7 +1252,7 @@
           <p:cNvPr id="4" name="날짜 개체 틀 3">
             <a:extLst>
               <a:ext uri="{FF2B5EF4-FFF2-40B4-BE49-F238E27FC236}">
-                <a16:creationId xmlns:a16="http://schemas.microsoft.com/office/drawing/2014/main" id="{022283AA-0163-40C4-BD15-4B5D9779A626}"/>
+                <a16:creationId xmlns:a16="http://schemas.microsoft.com/office/drawing/2014/main" xmlns="" id="{022283AA-0163-40C4-BD15-4B5D9779A626}"/>
               </a:ext>
             </a:extLst>
           </p:cNvPr>
@@ -1277,7 +1277,7 @@
                 </a:solidFill>
               </a:rPr>
               <a:pPr/>
-              <a:t>2022-11-18</a:t>
+              <a:t>2022-11-20</a:t>
             </a:fld>
             <a:endParaRPr lang="ko-KR" altLang="en-US" dirty="0">
               <a:solidFill>
@@ -1294,7 +1294,7 @@
           <p:cNvPr id="5" name="바닥글 개체 틀 4">
             <a:extLst>
               <a:ext uri="{FF2B5EF4-FFF2-40B4-BE49-F238E27FC236}">
-                <a16:creationId xmlns:a16="http://schemas.microsoft.com/office/drawing/2014/main" id="{D1A8905D-720A-4884-BF88-251296BD5CD6}"/>
+                <a16:creationId xmlns:a16="http://schemas.microsoft.com/office/drawing/2014/main" xmlns="" id="{D1A8905D-720A-4884-BF88-251296BD5CD6}"/>
               </a:ext>
             </a:extLst>
           </p:cNvPr>
@@ -1325,7 +1325,7 @@
           <p:cNvPr id="6" name="슬라이드 번호 개체 틀 5">
             <a:extLst>
               <a:ext uri="{FF2B5EF4-FFF2-40B4-BE49-F238E27FC236}">
-                <a16:creationId xmlns:a16="http://schemas.microsoft.com/office/drawing/2014/main" id="{091F5B7E-479B-4C2C-9C2F-FC3D3BAF2427}"/>
+                <a16:creationId xmlns:a16="http://schemas.microsoft.com/office/drawing/2014/main" xmlns="" id="{091F5B7E-479B-4C2C-9C2F-FC3D3BAF2427}"/>
               </a:ext>
             </a:extLst>
           </p:cNvPr>
@@ -1397,7 +1397,7 @@
           <p:cNvPr id="2" name="제목 1">
             <a:extLst>
               <a:ext uri="{FF2B5EF4-FFF2-40B4-BE49-F238E27FC236}">
-                <a16:creationId xmlns:a16="http://schemas.microsoft.com/office/drawing/2014/main" id="{7A78C707-FFC8-4A24-BA23-EF9EC44675AD}"/>
+                <a16:creationId xmlns:a16="http://schemas.microsoft.com/office/drawing/2014/main" xmlns="" id="{7A78C707-FFC8-4A24-BA23-EF9EC44675AD}"/>
               </a:ext>
             </a:extLst>
           </p:cNvPr>
@@ -1425,7 +1425,7 @@
           <p:cNvPr id="3" name="내용 개체 틀 2">
             <a:extLst>
               <a:ext uri="{FF2B5EF4-FFF2-40B4-BE49-F238E27FC236}">
-                <a16:creationId xmlns:a16="http://schemas.microsoft.com/office/drawing/2014/main" id="{E2160DF4-3AB1-42B3-8971-B823E5CB29C5}"/>
+                <a16:creationId xmlns:a16="http://schemas.microsoft.com/office/drawing/2014/main" xmlns="" id="{E2160DF4-3AB1-42B3-8971-B823E5CB29C5}"/>
               </a:ext>
             </a:extLst>
           </p:cNvPr>
@@ -1487,7 +1487,7 @@
           <p:cNvPr id="4" name="내용 개체 틀 3">
             <a:extLst>
               <a:ext uri="{FF2B5EF4-FFF2-40B4-BE49-F238E27FC236}">
-                <a16:creationId xmlns:a16="http://schemas.microsoft.com/office/drawing/2014/main" id="{EB6BFC4C-B0FA-4F91-8D27-3D1AF4C2C733}"/>
+                <a16:creationId xmlns:a16="http://schemas.microsoft.com/office/drawing/2014/main" xmlns="" id="{EB6BFC4C-B0FA-4F91-8D27-3D1AF4C2C733}"/>
               </a:ext>
             </a:extLst>
           </p:cNvPr>
@@ -1549,7 +1549,7 @@
           <p:cNvPr id="5" name="날짜 개체 틀 4">
             <a:extLst>
               <a:ext uri="{FF2B5EF4-FFF2-40B4-BE49-F238E27FC236}">
-                <a16:creationId xmlns:a16="http://schemas.microsoft.com/office/drawing/2014/main" id="{62FAC31B-12B8-44B6-A9E9-8F967BCFB495}"/>
+                <a16:creationId xmlns:a16="http://schemas.microsoft.com/office/drawing/2014/main" xmlns="" id="{62FAC31B-12B8-44B6-A9E9-8F967BCFB495}"/>
               </a:ext>
             </a:extLst>
           </p:cNvPr>
@@ -1574,7 +1574,7 @@
                 </a:solidFill>
               </a:rPr>
               <a:pPr/>
-              <a:t>2022-11-18</a:t>
+              <a:t>2022-11-20</a:t>
             </a:fld>
             <a:endParaRPr lang="ko-KR" altLang="en-US" dirty="0">
               <a:solidFill>
@@ -1591,7 +1591,7 @@
           <p:cNvPr id="6" name="바닥글 개체 틀 5">
             <a:extLst>
               <a:ext uri="{FF2B5EF4-FFF2-40B4-BE49-F238E27FC236}">
-                <a16:creationId xmlns:a16="http://schemas.microsoft.com/office/drawing/2014/main" id="{5FFAD4C5-4E96-46C0-9033-3CF48A722307}"/>
+                <a16:creationId xmlns:a16="http://schemas.microsoft.com/office/drawing/2014/main" xmlns="" id="{5FFAD4C5-4E96-46C0-9033-3CF48A722307}"/>
               </a:ext>
             </a:extLst>
           </p:cNvPr>
@@ -1622,7 +1622,7 @@
           <p:cNvPr id="7" name="슬라이드 번호 개체 틀 6">
             <a:extLst>
               <a:ext uri="{FF2B5EF4-FFF2-40B4-BE49-F238E27FC236}">
-                <a16:creationId xmlns:a16="http://schemas.microsoft.com/office/drawing/2014/main" id="{F8F5A243-79AB-498E-9F6B-C0EA9EA192EC}"/>
+                <a16:creationId xmlns:a16="http://schemas.microsoft.com/office/drawing/2014/main" xmlns="" id="{F8F5A243-79AB-498E-9F6B-C0EA9EA192EC}"/>
               </a:ext>
             </a:extLst>
           </p:cNvPr>
@@ -1694,7 +1694,7 @@
           <p:cNvPr id="2" name="제목 1">
             <a:extLst>
               <a:ext uri="{FF2B5EF4-FFF2-40B4-BE49-F238E27FC236}">
-                <a16:creationId xmlns:a16="http://schemas.microsoft.com/office/drawing/2014/main" id="{02839153-E8CD-49CF-A352-CE2C89DD0C4B}"/>
+                <a16:creationId xmlns:a16="http://schemas.microsoft.com/office/drawing/2014/main" xmlns="" id="{02839153-E8CD-49CF-A352-CE2C89DD0C4B}"/>
               </a:ext>
             </a:extLst>
           </p:cNvPr>
@@ -1727,7 +1727,7 @@
           <p:cNvPr id="3" name="텍스트 개체 틀 2">
             <a:extLst>
               <a:ext uri="{FF2B5EF4-FFF2-40B4-BE49-F238E27FC236}">
-                <a16:creationId xmlns:a16="http://schemas.microsoft.com/office/drawing/2014/main" id="{79D2D86D-B04B-4F6E-8B70-CEEE8EE74D26}"/>
+                <a16:creationId xmlns:a16="http://schemas.microsoft.com/office/drawing/2014/main" xmlns="" id="{79D2D86D-B04B-4F6E-8B70-CEEE8EE74D26}"/>
               </a:ext>
             </a:extLst>
           </p:cNvPr>
@@ -1798,7 +1798,7 @@
           <p:cNvPr id="4" name="내용 개체 틀 3">
             <a:extLst>
               <a:ext uri="{FF2B5EF4-FFF2-40B4-BE49-F238E27FC236}">
-                <a16:creationId xmlns:a16="http://schemas.microsoft.com/office/drawing/2014/main" id="{1ADF040F-70C5-4670-BDE4-017C92D5B3A1}"/>
+                <a16:creationId xmlns:a16="http://schemas.microsoft.com/office/drawing/2014/main" xmlns="" id="{1ADF040F-70C5-4670-BDE4-017C92D5B3A1}"/>
               </a:ext>
             </a:extLst>
           </p:cNvPr>
@@ -1860,7 +1860,7 @@
           <p:cNvPr id="5" name="텍스트 개체 틀 4">
             <a:extLst>
               <a:ext uri="{FF2B5EF4-FFF2-40B4-BE49-F238E27FC236}">
-                <a16:creationId xmlns:a16="http://schemas.microsoft.com/office/drawing/2014/main" id="{002EE54B-8A53-409D-B09E-64BD2F952B87}"/>
+                <a16:creationId xmlns:a16="http://schemas.microsoft.com/office/drawing/2014/main" xmlns="" id="{002EE54B-8A53-409D-B09E-64BD2F952B87}"/>
               </a:ext>
             </a:extLst>
           </p:cNvPr>
@@ -1931,7 +1931,7 @@
           <p:cNvPr id="6" name="내용 개체 틀 5">
             <a:extLst>
               <a:ext uri="{FF2B5EF4-FFF2-40B4-BE49-F238E27FC236}">
-                <a16:creationId xmlns:a16="http://schemas.microsoft.com/office/drawing/2014/main" id="{C2B72209-6EC7-4418-A78D-417AB466F567}"/>
+                <a16:creationId xmlns:a16="http://schemas.microsoft.com/office/drawing/2014/main" xmlns="" id="{C2B72209-6EC7-4418-A78D-417AB466F567}"/>
               </a:ext>
             </a:extLst>
           </p:cNvPr>
@@ -1993,7 +1993,7 @@
           <p:cNvPr id="7" name="날짜 개체 틀 6">
             <a:extLst>
               <a:ext uri="{FF2B5EF4-FFF2-40B4-BE49-F238E27FC236}">
-                <a16:creationId xmlns:a16="http://schemas.microsoft.com/office/drawing/2014/main" id="{8F99256C-B33C-4980-B58A-185F1B50800F}"/>
+                <a16:creationId xmlns:a16="http://schemas.microsoft.com/office/drawing/2014/main" xmlns="" id="{8F99256C-B33C-4980-B58A-185F1B50800F}"/>
               </a:ext>
             </a:extLst>
           </p:cNvPr>
@@ -2018,7 +2018,7 @@
                 </a:solidFill>
               </a:rPr>
               <a:pPr/>
-              <a:t>2022-11-18</a:t>
+              <a:t>2022-11-20</a:t>
             </a:fld>
             <a:endParaRPr lang="ko-KR" altLang="en-US" dirty="0">
               <a:solidFill>
@@ -2035,7 +2035,7 @@
           <p:cNvPr id="8" name="바닥글 개체 틀 7">
             <a:extLst>
               <a:ext uri="{FF2B5EF4-FFF2-40B4-BE49-F238E27FC236}">
-                <a16:creationId xmlns:a16="http://schemas.microsoft.com/office/drawing/2014/main" id="{10D41821-F2CE-4C29-8132-70323EDD61F2}"/>
+                <a16:creationId xmlns:a16="http://schemas.microsoft.com/office/drawing/2014/main" xmlns="" id="{10D41821-F2CE-4C29-8132-70323EDD61F2}"/>
               </a:ext>
             </a:extLst>
           </p:cNvPr>
@@ -2066,7 +2066,7 @@
           <p:cNvPr id="9" name="슬라이드 번호 개체 틀 8">
             <a:extLst>
               <a:ext uri="{FF2B5EF4-FFF2-40B4-BE49-F238E27FC236}">
-                <a16:creationId xmlns:a16="http://schemas.microsoft.com/office/drawing/2014/main" id="{98C219DB-B597-4742-98CD-2CAE4BE5026D}"/>
+                <a16:creationId xmlns:a16="http://schemas.microsoft.com/office/drawing/2014/main" xmlns="" id="{98C219DB-B597-4742-98CD-2CAE4BE5026D}"/>
               </a:ext>
             </a:extLst>
           </p:cNvPr>
@@ -2138,7 +2138,7 @@
           <p:cNvPr id="2" name="제목 1">
             <a:extLst>
               <a:ext uri="{FF2B5EF4-FFF2-40B4-BE49-F238E27FC236}">
-                <a16:creationId xmlns:a16="http://schemas.microsoft.com/office/drawing/2014/main" id="{186D106D-5995-4C96-A34B-80776AE9EE60}"/>
+                <a16:creationId xmlns:a16="http://schemas.microsoft.com/office/drawing/2014/main" xmlns="" id="{186D106D-5995-4C96-A34B-80776AE9EE60}"/>
               </a:ext>
             </a:extLst>
           </p:cNvPr>
@@ -2166,7 +2166,7 @@
           <p:cNvPr id="3" name="날짜 개체 틀 2">
             <a:extLst>
               <a:ext uri="{FF2B5EF4-FFF2-40B4-BE49-F238E27FC236}">
-                <a16:creationId xmlns:a16="http://schemas.microsoft.com/office/drawing/2014/main" id="{2FF2DA30-6E46-4781-A24E-22BEFDC9360A}"/>
+                <a16:creationId xmlns:a16="http://schemas.microsoft.com/office/drawing/2014/main" xmlns="" id="{2FF2DA30-6E46-4781-A24E-22BEFDC9360A}"/>
               </a:ext>
             </a:extLst>
           </p:cNvPr>
@@ -2191,7 +2191,7 @@
                 </a:solidFill>
               </a:rPr>
               <a:pPr/>
-              <a:t>2022-11-18</a:t>
+              <a:t>2022-11-20</a:t>
             </a:fld>
             <a:endParaRPr lang="ko-KR" altLang="en-US" dirty="0">
               <a:solidFill>
@@ -2208,7 +2208,7 @@
           <p:cNvPr id="4" name="바닥글 개체 틀 3">
             <a:extLst>
               <a:ext uri="{FF2B5EF4-FFF2-40B4-BE49-F238E27FC236}">
-                <a16:creationId xmlns:a16="http://schemas.microsoft.com/office/drawing/2014/main" id="{B6E6DFE5-8E83-400E-805F-69D1FE731039}"/>
+                <a16:creationId xmlns:a16="http://schemas.microsoft.com/office/drawing/2014/main" xmlns="" id="{B6E6DFE5-8E83-400E-805F-69D1FE731039}"/>
               </a:ext>
             </a:extLst>
           </p:cNvPr>
@@ -2239,7 +2239,7 @@
           <p:cNvPr id="5" name="슬라이드 번호 개체 틀 4">
             <a:extLst>
               <a:ext uri="{FF2B5EF4-FFF2-40B4-BE49-F238E27FC236}">
-                <a16:creationId xmlns:a16="http://schemas.microsoft.com/office/drawing/2014/main" id="{0DD16593-628A-472D-A9C3-C41BD8886B0A}"/>
+                <a16:creationId xmlns:a16="http://schemas.microsoft.com/office/drawing/2014/main" xmlns="" id="{0DD16593-628A-472D-A9C3-C41BD8886B0A}"/>
               </a:ext>
             </a:extLst>
           </p:cNvPr>
@@ -2311,7 +2311,7 @@
           <p:cNvPr id="2" name="날짜 개체 틀 1">
             <a:extLst>
               <a:ext uri="{FF2B5EF4-FFF2-40B4-BE49-F238E27FC236}">
-                <a16:creationId xmlns:a16="http://schemas.microsoft.com/office/drawing/2014/main" id="{49B1C4D2-3722-4C1D-B0E4-3ABC0DA4CA9D}"/>
+                <a16:creationId xmlns:a16="http://schemas.microsoft.com/office/drawing/2014/main" xmlns="" id="{49B1C4D2-3722-4C1D-B0E4-3ABC0DA4CA9D}"/>
               </a:ext>
             </a:extLst>
           </p:cNvPr>
@@ -2336,7 +2336,7 @@
                 </a:solidFill>
               </a:rPr>
               <a:pPr/>
-              <a:t>2022-11-18</a:t>
+              <a:t>2022-11-20</a:t>
             </a:fld>
             <a:endParaRPr lang="ko-KR" altLang="en-US" dirty="0">
               <a:solidFill>
@@ -2353,7 +2353,7 @@
           <p:cNvPr id="3" name="바닥글 개체 틀 2">
             <a:extLst>
               <a:ext uri="{FF2B5EF4-FFF2-40B4-BE49-F238E27FC236}">
-                <a16:creationId xmlns:a16="http://schemas.microsoft.com/office/drawing/2014/main" id="{C3A393B7-AE11-4029-9D65-0BDEFB02DCD9}"/>
+                <a16:creationId xmlns:a16="http://schemas.microsoft.com/office/drawing/2014/main" xmlns="" id="{C3A393B7-AE11-4029-9D65-0BDEFB02DCD9}"/>
               </a:ext>
             </a:extLst>
           </p:cNvPr>
@@ -2384,7 +2384,7 @@
           <p:cNvPr id="4" name="슬라이드 번호 개체 틀 3">
             <a:extLst>
               <a:ext uri="{FF2B5EF4-FFF2-40B4-BE49-F238E27FC236}">
-                <a16:creationId xmlns:a16="http://schemas.microsoft.com/office/drawing/2014/main" id="{DB9F3B94-79EC-477D-B625-FF12E8701FDD}"/>
+                <a16:creationId xmlns:a16="http://schemas.microsoft.com/office/drawing/2014/main" xmlns="" id="{DB9F3B94-79EC-477D-B625-FF12E8701FDD}"/>
               </a:ext>
             </a:extLst>
           </p:cNvPr>
@@ -2456,7 +2456,7 @@
           <p:cNvPr id="2" name="제목 1">
             <a:extLst>
               <a:ext uri="{FF2B5EF4-FFF2-40B4-BE49-F238E27FC236}">
-                <a16:creationId xmlns:a16="http://schemas.microsoft.com/office/drawing/2014/main" id="{68D40AC1-6795-4CA4-8863-90C130E9FF6C}"/>
+                <a16:creationId xmlns:a16="http://schemas.microsoft.com/office/drawing/2014/main" xmlns="" id="{68D40AC1-6795-4CA4-8863-90C130E9FF6C}"/>
               </a:ext>
             </a:extLst>
           </p:cNvPr>
@@ -2493,7 +2493,7 @@
           <p:cNvPr id="3" name="내용 개체 틀 2">
             <a:extLst>
               <a:ext uri="{FF2B5EF4-FFF2-40B4-BE49-F238E27FC236}">
-                <a16:creationId xmlns:a16="http://schemas.microsoft.com/office/drawing/2014/main" id="{B0AA3D37-5CDD-4F3C-8395-110B381166E3}"/>
+                <a16:creationId xmlns:a16="http://schemas.microsoft.com/office/drawing/2014/main" xmlns="" id="{B0AA3D37-5CDD-4F3C-8395-110B381166E3}"/>
               </a:ext>
             </a:extLst>
           </p:cNvPr>
@@ -2583,7 +2583,7 @@
           <p:cNvPr id="4" name="텍스트 개체 틀 3">
             <a:extLst>
               <a:ext uri="{FF2B5EF4-FFF2-40B4-BE49-F238E27FC236}">
-                <a16:creationId xmlns:a16="http://schemas.microsoft.com/office/drawing/2014/main" id="{2E09C48F-85AB-4E64-BEFA-3A18C6A9F9CE}"/>
+                <a16:creationId xmlns:a16="http://schemas.microsoft.com/office/drawing/2014/main" xmlns="" id="{2E09C48F-85AB-4E64-BEFA-3A18C6A9F9CE}"/>
               </a:ext>
             </a:extLst>
           </p:cNvPr>
@@ -2654,7 +2654,7 @@
           <p:cNvPr id="5" name="날짜 개체 틀 4">
             <a:extLst>
               <a:ext uri="{FF2B5EF4-FFF2-40B4-BE49-F238E27FC236}">
-                <a16:creationId xmlns:a16="http://schemas.microsoft.com/office/drawing/2014/main" id="{B6C7D03F-6B67-4E51-B669-6A0E67E1E6BB}"/>
+                <a16:creationId xmlns:a16="http://schemas.microsoft.com/office/drawing/2014/main" xmlns="" id="{B6C7D03F-6B67-4E51-B669-6A0E67E1E6BB}"/>
               </a:ext>
             </a:extLst>
           </p:cNvPr>
@@ -2679,7 +2679,7 @@
                 </a:solidFill>
               </a:rPr>
               <a:pPr/>
-              <a:t>2022-11-18</a:t>
+              <a:t>2022-11-20</a:t>
             </a:fld>
             <a:endParaRPr lang="ko-KR" altLang="en-US" dirty="0">
               <a:solidFill>
@@ -2696,7 +2696,7 @@
           <p:cNvPr id="6" name="바닥글 개체 틀 5">
             <a:extLst>
               <a:ext uri="{FF2B5EF4-FFF2-40B4-BE49-F238E27FC236}">
-                <a16:creationId xmlns:a16="http://schemas.microsoft.com/office/drawing/2014/main" id="{085481C9-7778-4E3B-A752-9007B5C851F6}"/>
+                <a16:creationId xmlns:a16="http://schemas.microsoft.com/office/drawing/2014/main" xmlns="" id="{085481C9-7778-4E3B-A752-9007B5C851F6}"/>
               </a:ext>
             </a:extLst>
           </p:cNvPr>
@@ -2727,7 +2727,7 @@
           <p:cNvPr id="7" name="슬라이드 번호 개체 틀 6">
             <a:extLst>
               <a:ext uri="{FF2B5EF4-FFF2-40B4-BE49-F238E27FC236}">
-                <a16:creationId xmlns:a16="http://schemas.microsoft.com/office/drawing/2014/main" id="{E0C20EB4-E727-4E37-91E3-2D601E7FF376}"/>
+                <a16:creationId xmlns:a16="http://schemas.microsoft.com/office/drawing/2014/main" xmlns="" id="{E0C20EB4-E727-4E37-91E3-2D601E7FF376}"/>
               </a:ext>
             </a:extLst>
           </p:cNvPr>
@@ -2799,7 +2799,7 @@
           <p:cNvPr id="2" name="제목 1">
             <a:extLst>
               <a:ext uri="{FF2B5EF4-FFF2-40B4-BE49-F238E27FC236}">
-                <a16:creationId xmlns:a16="http://schemas.microsoft.com/office/drawing/2014/main" id="{850C0D57-3EBF-4D7D-9103-029D562A3153}"/>
+                <a16:creationId xmlns:a16="http://schemas.microsoft.com/office/drawing/2014/main" xmlns="" id="{850C0D57-3EBF-4D7D-9103-029D562A3153}"/>
               </a:ext>
             </a:extLst>
           </p:cNvPr>
@@ -2836,7 +2836,7 @@
           <p:cNvPr id="3" name="그림 개체 틀 2">
             <a:extLst>
               <a:ext uri="{FF2B5EF4-FFF2-40B4-BE49-F238E27FC236}">
-                <a16:creationId xmlns:a16="http://schemas.microsoft.com/office/drawing/2014/main" id="{1925C662-F8E6-4896-9E6B-19D16B209958}"/>
+                <a16:creationId xmlns:a16="http://schemas.microsoft.com/office/drawing/2014/main" xmlns="" id="{1925C662-F8E6-4896-9E6B-19D16B209958}"/>
               </a:ext>
             </a:extLst>
           </p:cNvPr>
@@ -2903,7 +2903,7 @@
           <p:cNvPr id="4" name="텍스트 개체 틀 3">
             <a:extLst>
               <a:ext uri="{FF2B5EF4-FFF2-40B4-BE49-F238E27FC236}">
-                <a16:creationId xmlns:a16="http://schemas.microsoft.com/office/drawing/2014/main" id="{57ED9F6B-4286-432D-A5CB-100E7F776585}"/>
+                <a16:creationId xmlns:a16="http://schemas.microsoft.com/office/drawing/2014/main" xmlns="" id="{57ED9F6B-4286-432D-A5CB-100E7F776585}"/>
               </a:ext>
             </a:extLst>
           </p:cNvPr>
@@ -2974,7 +2974,7 @@
           <p:cNvPr id="5" name="날짜 개체 틀 4">
             <a:extLst>
               <a:ext uri="{FF2B5EF4-FFF2-40B4-BE49-F238E27FC236}">
-                <a16:creationId xmlns:a16="http://schemas.microsoft.com/office/drawing/2014/main" id="{CBAD39F7-71D8-4D10-B6E7-04E0D95EBDF0}"/>
+                <a16:creationId xmlns:a16="http://schemas.microsoft.com/office/drawing/2014/main" xmlns="" id="{CBAD39F7-71D8-4D10-B6E7-04E0D95EBDF0}"/>
               </a:ext>
             </a:extLst>
           </p:cNvPr>
@@ -2999,7 +2999,7 @@
                 </a:solidFill>
               </a:rPr>
               <a:pPr/>
-              <a:t>2022-11-18</a:t>
+              <a:t>2022-11-20</a:t>
             </a:fld>
             <a:endParaRPr lang="ko-KR" altLang="en-US" dirty="0">
               <a:solidFill>
@@ -3016,7 +3016,7 @@
           <p:cNvPr id="6" name="바닥글 개체 틀 5">
             <a:extLst>
               <a:ext uri="{FF2B5EF4-FFF2-40B4-BE49-F238E27FC236}">
-                <a16:creationId xmlns:a16="http://schemas.microsoft.com/office/drawing/2014/main" id="{043C73A8-E25B-4949-B956-80A5EC260FD8}"/>
+                <a16:creationId xmlns:a16="http://schemas.microsoft.com/office/drawing/2014/main" xmlns="" id="{043C73A8-E25B-4949-B956-80A5EC260FD8}"/>
               </a:ext>
             </a:extLst>
           </p:cNvPr>
@@ -3047,7 +3047,7 @@
           <p:cNvPr id="7" name="슬라이드 번호 개체 틀 6">
             <a:extLst>
               <a:ext uri="{FF2B5EF4-FFF2-40B4-BE49-F238E27FC236}">
-                <a16:creationId xmlns:a16="http://schemas.microsoft.com/office/drawing/2014/main" id="{777CE8D1-E11F-4E87-B585-E1E5C94635AD}"/>
+                <a16:creationId xmlns:a16="http://schemas.microsoft.com/office/drawing/2014/main" xmlns="" id="{777CE8D1-E11F-4E87-B585-E1E5C94635AD}"/>
               </a:ext>
             </a:extLst>
           </p:cNvPr>
@@ -3124,7 +3124,7 @@
           <p:cNvPr id="2" name="제목 개체 틀 1">
             <a:extLst>
               <a:ext uri="{FF2B5EF4-FFF2-40B4-BE49-F238E27FC236}">
-                <a16:creationId xmlns:a16="http://schemas.microsoft.com/office/drawing/2014/main" id="{7718C337-9B27-40D3-A9B2-4005EE7EA8D2}"/>
+                <a16:creationId xmlns:a16="http://schemas.microsoft.com/office/drawing/2014/main" xmlns="" id="{7718C337-9B27-40D3-A9B2-4005EE7EA8D2}"/>
               </a:ext>
             </a:extLst>
           </p:cNvPr>
@@ -3162,7 +3162,7 @@
           <p:cNvPr id="3" name="텍스트 개체 틀 2">
             <a:extLst>
               <a:ext uri="{FF2B5EF4-FFF2-40B4-BE49-F238E27FC236}">
-                <a16:creationId xmlns:a16="http://schemas.microsoft.com/office/drawing/2014/main" id="{9B69189F-28A1-4057-8CE9-3B76810BF959}"/>
+                <a16:creationId xmlns:a16="http://schemas.microsoft.com/office/drawing/2014/main" xmlns="" id="{9B69189F-28A1-4057-8CE9-3B76810BF959}"/>
               </a:ext>
             </a:extLst>
           </p:cNvPr>
@@ -3229,7 +3229,7 @@
           <p:cNvPr id="4" name="날짜 개체 틀 3">
             <a:extLst>
               <a:ext uri="{FF2B5EF4-FFF2-40B4-BE49-F238E27FC236}">
-                <a16:creationId xmlns:a16="http://schemas.microsoft.com/office/drawing/2014/main" id="{65F256D8-7BB6-49E2-954E-EF9E05DBF8F2}"/>
+                <a16:creationId xmlns:a16="http://schemas.microsoft.com/office/drawing/2014/main" xmlns="" id="{65F256D8-7BB6-49E2-954E-EF9E05DBF8F2}"/>
               </a:ext>
             </a:extLst>
           </p:cNvPr>
@@ -3272,7 +3272,7 @@
                 </a:solidFill>
               </a:rPr>
               <a:pPr/>
-              <a:t>2022-11-18</a:t>
+              <a:t>2022-11-20</a:t>
             </a:fld>
             <a:endParaRPr lang="ko-KR" altLang="en-US" dirty="0">
               <a:solidFill>
@@ -3289,7 +3289,7 @@
           <p:cNvPr id="5" name="바닥글 개체 틀 4">
             <a:extLst>
               <a:ext uri="{FF2B5EF4-FFF2-40B4-BE49-F238E27FC236}">
-                <a16:creationId xmlns:a16="http://schemas.microsoft.com/office/drawing/2014/main" id="{DB38B22D-A8A6-4CDF-89EF-E670765EC8EC}"/>
+                <a16:creationId xmlns:a16="http://schemas.microsoft.com/office/drawing/2014/main" xmlns="" id="{DB38B22D-A8A6-4CDF-89EF-E670765EC8EC}"/>
               </a:ext>
             </a:extLst>
           </p:cNvPr>
@@ -3338,7 +3338,7 @@
           <p:cNvPr id="6" name="슬라이드 번호 개체 틀 5">
             <a:extLst>
               <a:ext uri="{FF2B5EF4-FFF2-40B4-BE49-F238E27FC236}">
-                <a16:creationId xmlns:a16="http://schemas.microsoft.com/office/drawing/2014/main" id="{DEBBC4C3-52FC-436A-A3AE-F6A5F52B660C}"/>
+                <a16:creationId xmlns:a16="http://schemas.microsoft.com/office/drawing/2014/main" xmlns="" id="{DEBBC4C3-52FC-436A-A3AE-F6A5F52B660C}"/>
               </a:ext>
             </a:extLst>
           </p:cNvPr>
@@ -3741,7 +3741,7 @@
             <p:cNvPr id="6" name="사각형: 둥근 위쪽 모서리 5">
               <a:extLst>
                 <a:ext uri="{FF2B5EF4-FFF2-40B4-BE49-F238E27FC236}">
-                  <a16:creationId xmlns:a16="http://schemas.microsoft.com/office/drawing/2014/main" id="{F669D5D3-77E9-03D5-6430-32CD64683AB3}"/>
+                  <a16:creationId xmlns:a16="http://schemas.microsoft.com/office/drawing/2014/main" xmlns="" id="{F669D5D3-77E9-03D5-6430-32CD64683AB3}"/>
                 </a:ext>
               </a:extLst>
             </p:cNvPr>
@@ -3797,7 +3797,7 @@
             <p:cNvPr id="7" name="사각형: 둥근 위쪽 모서리 6">
               <a:extLst>
                 <a:ext uri="{FF2B5EF4-FFF2-40B4-BE49-F238E27FC236}">
-                  <a16:creationId xmlns:a16="http://schemas.microsoft.com/office/drawing/2014/main" id="{9D05BFDF-F517-1901-CF4D-BBC99DE66917}"/>
+                  <a16:creationId xmlns:a16="http://schemas.microsoft.com/office/drawing/2014/main" xmlns="" id="{9D05BFDF-F517-1901-CF4D-BBC99DE66917}"/>
                 </a:ext>
               </a:extLst>
             </p:cNvPr>
@@ -3853,7 +3853,7 @@
                 <a:defRPr/>
               </a:pPr>
               <a:r>
-                <a:rPr lang="en-US" altLang="ko-KR" sz="3200" i="1" kern="0" dirty="0">
+                <a:rPr lang="en-US" altLang="ko-KR" sz="8000" i="1" kern="0" dirty="0">
                   <a:ln w="12700">
                     <a:noFill/>
                   </a:ln>
@@ -3992,7 +3992,7 @@
           <p:cNvPr id="12" name="자유형: 도형 11">
             <a:extLst>
               <a:ext uri="{FF2B5EF4-FFF2-40B4-BE49-F238E27FC236}">
-                <a16:creationId xmlns:a16="http://schemas.microsoft.com/office/drawing/2014/main" id="{A408C48C-81C6-60E9-846A-4560ABEE1EEB}"/>
+                <a16:creationId xmlns:a16="http://schemas.microsoft.com/office/drawing/2014/main" xmlns="" id="{A408C48C-81C6-60E9-846A-4560ABEE1EEB}"/>
               </a:ext>
             </a:extLst>
           </p:cNvPr>
@@ -4517,7 +4517,7 @@
             <p:cNvPr id="8" name="타원 7">
               <a:extLst>
                 <a:ext uri="{FF2B5EF4-FFF2-40B4-BE49-F238E27FC236}">
-                  <a16:creationId xmlns:a16="http://schemas.microsoft.com/office/drawing/2014/main" id="{0DB7ACA0-0E50-C79D-1E8F-CFE4E4824989}"/>
+                  <a16:creationId xmlns:a16="http://schemas.microsoft.com/office/drawing/2014/main" xmlns="" id="{0DB7ACA0-0E50-C79D-1E8F-CFE4E4824989}"/>
                 </a:ext>
               </a:extLst>
             </p:cNvPr>
@@ -4578,7 +4578,7 @@
             <p:cNvPr id="9" name="타원 8">
               <a:extLst>
                 <a:ext uri="{FF2B5EF4-FFF2-40B4-BE49-F238E27FC236}">
-                  <a16:creationId xmlns:a16="http://schemas.microsoft.com/office/drawing/2014/main" id="{411747EB-5158-B6AB-DBCD-BDD58A933410}"/>
+                  <a16:creationId xmlns:a16="http://schemas.microsoft.com/office/drawing/2014/main" xmlns="" id="{411747EB-5158-B6AB-DBCD-BDD58A933410}"/>
                 </a:ext>
               </a:extLst>
             </p:cNvPr>
@@ -4639,7 +4639,7 @@
             <p:cNvPr id="10" name="타원 9">
               <a:extLst>
                 <a:ext uri="{FF2B5EF4-FFF2-40B4-BE49-F238E27FC236}">
-                  <a16:creationId xmlns:a16="http://schemas.microsoft.com/office/drawing/2014/main" id="{B6AF9915-5414-9A6D-7BB8-D192173C5DD0}"/>
+                  <a16:creationId xmlns:a16="http://schemas.microsoft.com/office/drawing/2014/main" xmlns="" id="{B6AF9915-5414-9A6D-7BB8-D192173C5DD0}"/>
                 </a:ext>
               </a:extLst>
             </p:cNvPr>
@@ -4700,7 +4700,7 @@
             <p:cNvPr id="13" name="사각형: 둥근 모서리 12">
               <a:extLst>
                 <a:ext uri="{FF2B5EF4-FFF2-40B4-BE49-F238E27FC236}">
-                  <a16:creationId xmlns:a16="http://schemas.microsoft.com/office/drawing/2014/main" id="{197F03C0-6F6A-7BDA-0D27-7BAA91F3D7A1}"/>
+                  <a16:creationId xmlns:a16="http://schemas.microsoft.com/office/drawing/2014/main" xmlns="" id="{197F03C0-6F6A-7BDA-0D27-7BAA91F3D7A1}"/>
                 </a:ext>
               </a:extLst>
             </p:cNvPr>
@@ -4772,7 +4772,7 @@
             <p:cNvPr id="14" name="자유형 10">
               <a:extLst>
                 <a:ext uri="{FF2B5EF4-FFF2-40B4-BE49-F238E27FC236}">
-                  <a16:creationId xmlns:a16="http://schemas.microsoft.com/office/drawing/2014/main" id="{A9974E4C-0772-B082-CE8F-98F89C662956}"/>
+                  <a16:creationId xmlns:a16="http://schemas.microsoft.com/office/drawing/2014/main" xmlns="" id="{A9974E4C-0772-B082-CE8F-98F89C662956}"/>
                 </a:ext>
               </a:extLst>
             </p:cNvPr>
@@ -5023,6 +5023,13 @@
   <p:clrMapOvr>
     <a:masterClrMapping/>
   </p:clrMapOvr>
+  <p:timing>
+    <p:tnLst>
+      <p:par>
+        <p:cTn id="1" dur="indefinite" restart="never" nodeType="tmRoot"/>
+      </p:par>
+    </p:tnLst>
+  </p:timing>
 </p:sld>
 </file>
 
@@ -5070,7 +5077,7 @@
             <p:cNvPr id="6" name="사각형: 둥근 위쪽 모서리 5">
               <a:extLst>
                 <a:ext uri="{FF2B5EF4-FFF2-40B4-BE49-F238E27FC236}">
-                  <a16:creationId xmlns:a16="http://schemas.microsoft.com/office/drawing/2014/main" id="{F669D5D3-77E9-03D5-6430-32CD64683AB3}"/>
+                  <a16:creationId xmlns:a16="http://schemas.microsoft.com/office/drawing/2014/main" xmlns="" id="{F669D5D3-77E9-03D5-6430-32CD64683AB3}"/>
                 </a:ext>
               </a:extLst>
             </p:cNvPr>
@@ -5126,7 +5133,7 @@
             <p:cNvPr id="7" name="사각형: 둥근 위쪽 모서리 6">
               <a:extLst>
                 <a:ext uri="{FF2B5EF4-FFF2-40B4-BE49-F238E27FC236}">
-                  <a16:creationId xmlns:a16="http://schemas.microsoft.com/office/drawing/2014/main" id="{9D05BFDF-F517-1901-CF4D-BBC99DE66917}"/>
+                  <a16:creationId xmlns:a16="http://schemas.microsoft.com/office/drawing/2014/main" xmlns="" id="{9D05BFDF-F517-1901-CF4D-BBC99DE66917}"/>
                 </a:ext>
               </a:extLst>
             </p:cNvPr>
@@ -5195,7 +5202,7 @@
             <p:cNvPr id="8" name="타원 7">
               <a:extLst>
                 <a:ext uri="{FF2B5EF4-FFF2-40B4-BE49-F238E27FC236}">
-                  <a16:creationId xmlns:a16="http://schemas.microsoft.com/office/drawing/2014/main" id="{0DB7ACA0-0E50-C79D-1E8F-CFE4E4824989}"/>
+                  <a16:creationId xmlns:a16="http://schemas.microsoft.com/office/drawing/2014/main" xmlns="" id="{0DB7ACA0-0E50-C79D-1E8F-CFE4E4824989}"/>
                 </a:ext>
               </a:extLst>
             </p:cNvPr>
@@ -5256,7 +5263,7 @@
             <p:cNvPr id="9" name="타원 8">
               <a:extLst>
                 <a:ext uri="{FF2B5EF4-FFF2-40B4-BE49-F238E27FC236}">
-                  <a16:creationId xmlns:a16="http://schemas.microsoft.com/office/drawing/2014/main" id="{411747EB-5158-B6AB-DBCD-BDD58A933410}"/>
+                  <a16:creationId xmlns:a16="http://schemas.microsoft.com/office/drawing/2014/main" xmlns="" id="{411747EB-5158-B6AB-DBCD-BDD58A933410}"/>
                 </a:ext>
               </a:extLst>
             </p:cNvPr>
@@ -5317,7 +5324,7 @@
             <p:cNvPr id="10" name="타원 9">
               <a:extLst>
                 <a:ext uri="{FF2B5EF4-FFF2-40B4-BE49-F238E27FC236}">
-                  <a16:creationId xmlns:a16="http://schemas.microsoft.com/office/drawing/2014/main" id="{B6AF9915-5414-9A6D-7BB8-D192173C5DD0}"/>
+                  <a16:creationId xmlns:a16="http://schemas.microsoft.com/office/drawing/2014/main" xmlns="" id="{B6AF9915-5414-9A6D-7BB8-D192173C5DD0}"/>
                 </a:ext>
               </a:extLst>
             </p:cNvPr>
@@ -5378,7 +5385,7 @@
             <p:cNvPr id="12" name="자유형: 도형 11">
               <a:extLst>
                 <a:ext uri="{FF2B5EF4-FFF2-40B4-BE49-F238E27FC236}">
-                  <a16:creationId xmlns:a16="http://schemas.microsoft.com/office/drawing/2014/main" id="{A408C48C-81C6-60E9-846A-4560ABEE1EEB}"/>
+                  <a16:creationId xmlns:a16="http://schemas.microsoft.com/office/drawing/2014/main" xmlns="" id="{A408C48C-81C6-60E9-846A-4560ABEE1EEB}"/>
                 </a:ext>
               </a:extLst>
             </p:cNvPr>
@@ -5889,7 +5896,7 @@
             <p:cNvPr id="14" name="자유형 10">
               <a:extLst>
                 <a:ext uri="{FF2B5EF4-FFF2-40B4-BE49-F238E27FC236}">
-                  <a16:creationId xmlns:a16="http://schemas.microsoft.com/office/drawing/2014/main" id="{A9974E4C-0772-B082-CE8F-98F89C662956}"/>
+                  <a16:creationId xmlns:a16="http://schemas.microsoft.com/office/drawing/2014/main" xmlns="" id="{A9974E4C-0772-B082-CE8F-98F89C662956}"/>
                 </a:ext>
               </a:extLst>
             </p:cNvPr>
@@ -6135,7 +6142,7 @@
           <p:cNvPr id="11" name="사각형: 둥근 위쪽 모서리 10">
             <a:extLst>
               <a:ext uri="{FF2B5EF4-FFF2-40B4-BE49-F238E27FC236}">
-                <a16:creationId xmlns:a16="http://schemas.microsoft.com/office/drawing/2014/main" id="{C574CD32-FA2D-44C5-90B9-082068A804F0}"/>
+                <a16:creationId xmlns:a16="http://schemas.microsoft.com/office/drawing/2014/main" xmlns="" id="{C574CD32-FA2D-44C5-90B9-082068A804F0}"/>
               </a:ext>
             </a:extLst>
           </p:cNvPr>
@@ -6191,7 +6198,7 @@
           <p:cNvPr id="15" name="사각형: 둥근 모서리 14">
             <a:extLst>
               <a:ext uri="{FF2B5EF4-FFF2-40B4-BE49-F238E27FC236}">
-                <a16:creationId xmlns:a16="http://schemas.microsoft.com/office/drawing/2014/main" id="{7379C390-A995-437C-8E59-C3C94789B715}"/>
+                <a16:creationId xmlns:a16="http://schemas.microsoft.com/office/drawing/2014/main" xmlns="" id="{7379C390-A995-437C-8E59-C3C94789B715}"/>
               </a:ext>
             </a:extLst>
           </p:cNvPr>
@@ -6263,7 +6270,7 @@
           <p:cNvPr id="2" name="TextBox 1">
             <a:extLst>
               <a:ext uri="{FF2B5EF4-FFF2-40B4-BE49-F238E27FC236}">
-                <a16:creationId xmlns:a16="http://schemas.microsoft.com/office/drawing/2014/main" id="{4849C051-D3A9-430D-8A17-8E2C4DB64898}"/>
+                <a16:creationId xmlns:a16="http://schemas.microsoft.com/office/drawing/2014/main" xmlns="" id="{4849C051-D3A9-430D-8A17-8E2C4DB64898}"/>
               </a:ext>
             </a:extLst>
           </p:cNvPr>
@@ -6299,7 +6306,7 @@
           <p:cNvPr id="1026" name="Picture 2" descr="Git 사용법] 3장. GitHub 이용하기. 1. GitHub 이란? | by 프시케 | Medium">
             <a:extLst>
               <a:ext uri="{FF2B5EF4-FFF2-40B4-BE49-F238E27FC236}">
-                <a16:creationId xmlns:a16="http://schemas.microsoft.com/office/drawing/2014/main" id="{35029230-7EC6-45C6-B2BC-54386500D2C8}"/>
+                <a16:creationId xmlns:a16="http://schemas.microsoft.com/office/drawing/2014/main" xmlns="" id="{35029230-7EC6-45C6-B2BC-54386500D2C8}"/>
               </a:ext>
             </a:extLst>
           </p:cNvPr>
@@ -6346,7 +6353,7 @@
           <p:cNvPr id="17" name="사각형: 둥근 위쪽 모서리 16">
             <a:extLst>
               <a:ext uri="{FF2B5EF4-FFF2-40B4-BE49-F238E27FC236}">
-                <a16:creationId xmlns:a16="http://schemas.microsoft.com/office/drawing/2014/main" id="{00CB0ABA-E571-429B-AF0E-F24C893814AF}"/>
+                <a16:creationId xmlns:a16="http://schemas.microsoft.com/office/drawing/2014/main" xmlns="" id="{00CB0ABA-E571-429B-AF0E-F24C893814AF}"/>
               </a:ext>
             </a:extLst>
           </p:cNvPr>
@@ -6415,7 +6422,7 @@
           <p:cNvPr id="18" name="사각형: 둥근 위쪽 모서리 17">
             <a:extLst>
               <a:ext uri="{FF2B5EF4-FFF2-40B4-BE49-F238E27FC236}">
-                <a16:creationId xmlns:a16="http://schemas.microsoft.com/office/drawing/2014/main" id="{4807A750-2361-401E-A1C5-8862620284E1}"/>
+                <a16:creationId xmlns:a16="http://schemas.microsoft.com/office/drawing/2014/main" xmlns="" id="{4807A750-2361-401E-A1C5-8862620284E1}"/>
               </a:ext>
             </a:extLst>
           </p:cNvPr>
@@ -6484,7 +6491,7 @@
           <p:cNvPr id="20" name="사각형: 둥근 위쪽 모서리 19">
             <a:extLst>
               <a:ext uri="{FF2B5EF4-FFF2-40B4-BE49-F238E27FC236}">
-                <a16:creationId xmlns:a16="http://schemas.microsoft.com/office/drawing/2014/main" id="{666C387C-CE07-4590-98D5-73BCDF481657}"/>
+                <a16:creationId xmlns:a16="http://schemas.microsoft.com/office/drawing/2014/main" xmlns="" id="{666C387C-CE07-4590-98D5-73BCDF481657}"/>
               </a:ext>
             </a:extLst>
           </p:cNvPr>
@@ -6553,7 +6560,7 @@
           <p:cNvPr id="21" name="사각형: 둥근 위쪽 모서리 20">
             <a:extLst>
               <a:ext uri="{FF2B5EF4-FFF2-40B4-BE49-F238E27FC236}">
-                <a16:creationId xmlns:a16="http://schemas.microsoft.com/office/drawing/2014/main" id="{94AC8941-78D5-4DBA-B0C8-6E55297F452E}"/>
+                <a16:creationId xmlns:a16="http://schemas.microsoft.com/office/drawing/2014/main" xmlns="" id="{94AC8941-78D5-4DBA-B0C8-6E55297F452E}"/>
               </a:ext>
             </a:extLst>
           </p:cNvPr>
@@ -6622,7 +6629,7 @@
           <p:cNvPr id="22" name="사각형: 둥근 위쪽 모서리 21">
             <a:extLst>
               <a:ext uri="{FF2B5EF4-FFF2-40B4-BE49-F238E27FC236}">
-                <a16:creationId xmlns:a16="http://schemas.microsoft.com/office/drawing/2014/main" id="{1DC89A81-8DE3-47BD-831B-C3B77A5741CD}"/>
+                <a16:creationId xmlns:a16="http://schemas.microsoft.com/office/drawing/2014/main" xmlns="" id="{1DC89A81-8DE3-47BD-831B-C3B77A5741CD}"/>
               </a:ext>
             </a:extLst>
           </p:cNvPr>
@@ -6691,7 +6698,7 @@
           <p:cNvPr id="23" name="사각형: 둥근 위쪽 모서리 22">
             <a:extLst>
               <a:ext uri="{FF2B5EF4-FFF2-40B4-BE49-F238E27FC236}">
-                <a16:creationId xmlns:a16="http://schemas.microsoft.com/office/drawing/2014/main" id="{B1A02941-A7AC-4934-8851-920908C1C0B1}"/>
+                <a16:creationId xmlns:a16="http://schemas.microsoft.com/office/drawing/2014/main" xmlns="" id="{B1A02941-A7AC-4934-8851-920908C1C0B1}"/>
               </a:ext>
             </a:extLst>
           </p:cNvPr>
@@ -6760,7 +6767,7 @@
           <p:cNvPr id="24" name="사각형: 둥근 위쪽 모서리 23">
             <a:extLst>
               <a:ext uri="{FF2B5EF4-FFF2-40B4-BE49-F238E27FC236}">
-                <a16:creationId xmlns:a16="http://schemas.microsoft.com/office/drawing/2014/main" id="{4C863E5F-108C-4208-9409-63A4D24E0892}"/>
+                <a16:creationId xmlns:a16="http://schemas.microsoft.com/office/drawing/2014/main" xmlns="" id="{4C863E5F-108C-4208-9409-63A4D24E0892}"/>
               </a:ext>
             </a:extLst>
           </p:cNvPr>
@@ -6829,7 +6836,7 @@
           <p:cNvPr id="25" name="TextBox 24">
             <a:extLst>
               <a:ext uri="{FF2B5EF4-FFF2-40B4-BE49-F238E27FC236}">
-                <a16:creationId xmlns:a16="http://schemas.microsoft.com/office/drawing/2014/main" id="{5D1E5720-92CB-46AD-8119-848B18EC88BA}"/>
+                <a16:creationId xmlns:a16="http://schemas.microsoft.com/office/drawing/2014/main" xmlns="" id="{5D1E5720-92CB-46AD-8119-848B18EC88BA}"/>
               </a:ext>
             </a:extLst>
           </p:cNvPr>
@@ -6838,7 +6845,7 @@
         </p:nvSpPr>
         <p:spPr>
           <a:xfrm>
-            <a:off x="1432882" y="2541872"/>
+            <a:off x="1195953" y="2579767"/>
             <a:ext cx="2566865" cy="584775"/>
           </a:xfrm>
           <a:prstGeom prst="rect">
@@ -6869,7 +6876,7 @@
           <p:cNvPr id="29" name="사각형: 둥근 위쪽 모서리 28">
             <a:extLst>
               <a:ext uri="{FF2B5EF4-FFF2-40B4-BE49-F238E27FC236}">
-                <a16:creationId xmlns:a16="http://schemas.microsoft.com/office/drawing/2014/main" id="{57E82E48-006B-47D9-817B-9AE853CC8D31}"/>
+                <a16:creationId xmlns:a16="http://schemas.microsoft.com/office/drawing/2014/main" xmlns="" id="{57E82E48-006B-47D9-817B-9AE853CC8D31}"/>
               </a:ext>
             </a:extLst>
           </p:cNvPr>
@@ -6925,7 +6932,7 @@
           <p:cNvPr id="30" name="사각형: 둥근 위쪽 모서리 29">
             <a:extLst>
               <a:ext uri="{FF2B5EF4-FFF2-40B4-BE49-F238E27FC236}">
-                <a16:creationId xmlns:a16="http://schemas.microsoft.com/office/drawing/2014/main" id="{7E5F0A14-7E56-4EB1-AC41-EB7C52223F84}"/>
+                <a16:creationId xmlns:a16="http://schemas.microsoft.com/office/drawing/2014/main" xmlns="" id="{7E5F0A14-7E56-4EB1-AC41-EB7C52223F84}"/>
               </a:ext>
             </a:extLst>
           </p:cNvPr>
@@ -6981,7 +6988,7 @@
           <p:cNvPr id="26" name="TextBox 25">
             <a:extLst>
               <a:ext uri="{FF2B5EF4-FFF2-40B4-BE49-F238E27FC236}">
-                <a16:creationId xmlns:a16="http://schemas.microsoft.com/office/drawing/2014/main" id="{C0BA06E4-2C88-45CD-8DC7-4CC22BFCE3F6}"/>
+                <a16:creationId xmlns:a16="http://schemas.microsoft.com/office/drawing/2014/main" xmlns="" id="{C0BA06E4-2C88-45CD-8DC7-4CC22BFCE3F6}"/>
               </a:ext>
             </a:extLst>
           </p:cNvPr>
@@ -6990,7 +6997,167 @@
         </p:nvSpPr>
         <p:spPr>
           <a:xfrm>
-            <a:off x="4828672" y="2459381"/>
+            <a:off x="4633661" y="2579767"/>
+            <a:ext cx="2924678" cy="584775"/>
+          </a:xfrm>
+          <a:prstGeom prst="rect">
+            <a:avLst/>
+          </a:prstGeom>
+          <a:noFill/>
+        </p:spPr>
+        <p:txBody>
+          <a:bodyPr wrap="square" rtlCol="0">
+            <a:spAutoFit/>
+          </a:bodyPr>
+          <a:lstStyle/>
+          <a:p>
+            <a:r>
+              <a:rPr lang="ko-KR" altLang="en-US" sz="3200"/>
+              <a:t>팀 </a:t>
+            </a:r>
+            <a:r>
+              <a:rPr lang="ko-KR" altLang="en-US" sz="3200" smtClean="0"/>
+              <a:t>프로필 소개</a:t>
+            </a:r>
+            <a:endParaRPr lang="ko-KR" altLang="en-US" sz="3200" dirty="0"/>
+          </a:p>
+        </p:txBody>
+      </p:sp>
+      <p:sp>
+        <p:nvSpPr>
+          <p:cNvPr id="27" name="TextBox 26">
+            <a:extLst>
+              <a:ext uri="{FF2B5EF4-FFF2-40B4-BE49-F238E27FC236}">
+                <a16:creationId xmlns:a16="http://schemas.microsoft.com/office/drawing/2014/main" xmlns="" id="{1BE22C31-6CB3-4FD9-BA3D-0CC29A7B5DF4}"/>
+              </a:ext>
+            </a:extLst>
+          </p:cNvPr>
+          <p:cNvSpPr txBox="1"/>
+          <p:nvPr/>
+        </p:nvSpPr>
+        <p:spPr>
+          <a:xfrm>
+            <a:off x="8611655" y="2333546"/>
+            <a:ext cx="2566865" cy="1077218"/>
+          </a:xfrm>
+          <a:prstGeom prst="rect">
+            <a:avLst/>
+          </a:prstGeom>
+          <a:noFill/>
+        </p:spPr>
+        <p:txBody>
+          <a:bodyPr wrap="square" rtlCol="0">
+            <a:spAutoFit/>
+          </a:bodyPr>
+          <a:lstStyle/>
+          <a:p>
+            <a:pPr algn="ctr"/>
+            <a:r>
+              <a:rPr lang="ko-KR" altLang="en-US" sz="3200" dirty="0" err="1"/>
+              <a:t>깃허브</a:t>
+            </a:r>
+            <a:r>
+              <a:rPr lang="ko-KR" altLang="en-US" sz="3200" dirty="0"/>
+              <a:t> 구축 차별성</a:t>
+            </a:r>
+          </a:p>
+        </p:txBody>
+      </p:sp>
+      <p:sp>
+        <p:nvSpPr>
+          <p:cNvPr id="31" name="TextBox 30">
+            <a:extLst>
+              <a:ext uri="{FF2B5EF4-FFF2-40B4-BE49-F238E27FC236}">
+                <a16:creationId xmlns:a16="http://schemas.microsoft.com/office/drawing/2014/main" xmlns="" id="{80179B99-0698-4CAD-9ADE-107A1C059612}"/>
+              </a:ext>
+            </a:extLst>
+          </p:cNvPr>
+          <p:cNvSpPr txBox="1"/>
+          <p:nvPr/>
+        </p:nvSpPr>
+        <p:spPr>
+          <a:xfrm>
+            <a:off x="1045689" y="4609814"/>
+            <a:ext cx="2566865" cy="1077218"/>
+          </a:xfrm>
+          <a:prstGeom prst="rect">
+            <a:avLst/>
+          </a:prstGeom>
+          <a:noFill/>
+        </p:spPr>
+        <p:txBody>
+          <a:bodyPr wrap="square" rtlCol="0">
+            <a:spAutoFit/>
+          </a:bodyPr>
+          <a:lstStyle/>
+          <a:p>
+            <a:pPr algn="ctr"/>
+            <a:r>
+              <a:rPr lang="ko-KR" altLang="en-US" sz="3200" dirty="0" err="1"/>
+              <a:t>깃허브</a:t>
+            </a:r>
+            <a:r>
+              <a:rPr lang="ko-KR" altLang="en-US" sz="3200" dirty="0"/>
+              <a:t> 구축 소개</a:t>
+            </a:r>
+          </a:p>
+        </p:txBody>
+      </p:sp>
+      <p:sp>
+        <p:nvSpPr>
+          <p:cNvPr id="32" name="TextBox 31">
+            <a:extLst>
+              <a:ext uri="{FF2B5EF4-FFF2-40B4-BE49-F238E27FC236}">
+                <a16:creationId xmlns:a16="http://schemas.microsoft.com/office/drawing/2014/main" xmlns="" id="{7231E104-14B5-48F7-92FF-F9A042B66C68}"/>
+              </a:ext>
+            </a:extLst>
+          </p:cNvPr>
+          <p:cNvSpPr txBox="1"/>
+          <p:nvPr/>
+        </p:nvSpPr>
+        <p:spPr>
+          <a:xfrm>
+            <a:off x="4828672" y="4645324"/>
+            <a:ext cx="2566865" cy="1077218"/>
+          </a:xfrm>
+          <a:prstGeom prst="rect">
+            <a:avLst/>
+          </a:prstGeom>
+          <a:noFill/>
+        </p:spPr>
+        <p:txBody>
+          <a:bodyPr wrap="square" rtlCol="0">
+            <a:spAutoFit/>
+          </a:bodyPr>
+          <a:lstStyle/>
+          <a:p>
+            <a:pPr algn="ctr"/>
+            <a:r>
+              <a:rPr lang="ko-KR" altLang="en-US" sz="3200" dirty="0" err="1"/>
+              <a:t>깃허브</a:t>
+            </a:r>
+            <a:r>
+              <a:rPr lang="ko-KR" altLang="en-US" sz="3200" dirty="0"/>
+              <a:t> 구축 후기</a:t>
+            </a:r>
+          </a:p>
+        </p:txBody>
+      </p:sp>
+      <p:sp>
+        <p:nvSpPr>
+          <p:cNvPr id="33" name="TextBox 32">
+            <a:extLst>
+              <a:ext uri="{FF2B5EF4-FFF2-40B4-BE49-F238E27FC236}">
+                <a16:creationId xmlns:a16="http://schemas.microsoft.com/office/drawing/2014/main" xmlns="" id="{06E5CC2F-4FE3-4EDD-BC27-1793964679D6}"/>
+              </a:ext>
+            </a:extLst>
+          </p:cNvPr>
+          <p:cNvSpPr txBox="1"/>
+          <p:nvPr/>
+        </p:nvSpPr>
+        <p:spPr>
+          <a:xfrm>
+            <a:off x="9189092" y="4856036"/>
             <a:ext cx="2566865" cy="584775"/>
           </a:xfrm>
           <a:prstGeom prst="rect">
@@ -7006,158 +7173,6 @@
           <a:p>
             <a:r>
               <a:rPr lang="ko-KR" altLang="en-US" sz="3200" dirty="0"/>
-              <a:t>팀 프로필</a:t>
-            </a:r>
-          </a:p>
-        </p:txBody>
-      </p:sp>
-      <p:sp>
-        <p:nvSpPr>
-          <p:cNvPr id="27" name="TextBox 26">
-            <a:extLst>
-              <a:ext uri="{FF2B5EF4-FFF2-40B4-BE49-F238E27FC236}">
-                <a16:creationId xmlns:a16="http://schemas.microsoft.com/office/drawing/2014/main" id="{1BE22C31-6CB3-4FD9-BA3D-0CC29A7B5DF4}"/>
-              </a:ext>
-            </a:extLst>
-          </p:cNvPr>
-          <p:cNvSpPr txBox="1"/>
-          <p:nvPr/>
-        </p:nvSpPr>
-        <p:spPr>
-          <a:xfrm>
-            <a:off x="8398462" y="2333546"/>
-            <a:ext cx="2566865" cy="1077218"/>
-          </a:xfrm>
-          <a:prstGeom prst="rect">
-            <a:avLst/>
-          </a:prstGeom>
-          <a:noFill/>
-        </p:spPr>
-        <p:txBody>
-          <a:bodyPr wrap="square" rtlCol="0">
-            <a:spAutoFit/>
-          </a:bodyPr>
-          <a:lstStyle/>
-          <a:p>
-            <a:r>
-              <a:rPr lang="ko-KR" altLang="en-US" sz="3200" dirty="0" err="1"/>
-              <a:t>깃허브</a:t>
-            </a:r>
-            <a:r>
-              <a:rPr lang="ko-KR" altLang="en-US" sz="3200" dirty="0"/>
-              <a:t> 구축 차별성</a:t>
-            </a:r>
-          </a:p>
-        </p:txBody>
-      </p:sp>
-      <p:sp>
-        <p:nvSpPr>
-          <p:cNvPr id="31" name="TextBox 30">
-            <a:extLst>
-              <a:ext uri="{FF2B5EF4-FFF2-40B4-BE49-F238E27FC236}">
-                <a16:creationId xmlns:a16="http://schemas.microsoft.com/office/drawing/2014/main" id="{80179B99-0698-4CAD-9ADE-107A1C059612}"/>
-              </a:ext>
-            </a:extLst>
-          </p:cNvPr>
-          <p:cNvSpPr txBox="1"/>
-          <p:nvPr/>
-        </p:nvSpPr>
-        <p:spPr>
-          <a:xfrm>
-            <a:off x="823634" y="4984467"/>
-            <a:ext cx="2566865" cy="1077218"/>
-          </a:xfrm>
-          <a:prstGeom prst="rect">
-            <a:avLst/>
-          </a:prstGeom>
-          <a:noFill/>
-        </p:spPr>
-        <p:txBody>
-          <a:bodyPr wrap="square" rtlCol="0">
-            <a:spAutoFit/>
-          </a:bodyPr>
-          <a:lstStyle/>
-          <a:p>
-            <a:r>
-              <a:rPr lang="ko-KR" altLang="en-US" sz="3200" dirty="0" err="1"/>
-              <a:t>깃허브</a:t>
-            </a:r>
-            <a:r>
-              <a:rPr lang="ko-KR" altLang="en-US" sz="3200" dirty="0"/>
-              <a:t> 구축 소개</a:t>
-            </a:r>
-          </a:p>
-        </p:txBody>
-      </p:sp>
-      <p:sp>
-        <p:nvSpPr>
-          <p:cNvPr id="32" name="TextBox 31">
-            <a:extLst>
-              <a:ext uri="{FF2B5EF4-FFF2-40B4-BE49-F238E27FC236}">
-                <a16:creationId xmlns:a16="http://schemas.microsoft.com/office/drawing/2014/main" id="{7231E104-14B5-48F7-92FF-F9A042B66C68}"/>
-              </a:ext>
-            </a:extLst>
-          </p:cNvPr>
-          <p:cNvSpPr txBox="1"/>
-          <p:nvPr/>
-        </p:nvSpPr>
-        <p:spPr>
-          <a:xfrm>
-            <a:off x="4608467" y="4347292"/>
-            <a:ext cx="2566865" cy="369332"/>
-          </a:xfrm>
-          <a:prstGeom prst="rect">
-            <a:avLst/>
-          </a:prstGeom>
-          <a:noFill/>
-        </p:spPr>
-        <p:txBody>
-          <a:bodyPr wrap="square" rtlCol="0">
-            <a:spAutoFit/>
-          </a:bodyPr>
-          <a:lstStyle/>
-          <a:p>
-            <a:r>
-              <a:rPr lang="ko-KR" altLang="en-US" dirty="0" err="1"/>
-              <a:t>깃허브</a:t>
-            </a:r>
-            <a:r>
-              <a:rPr lang="ko-KR" altLang="en-US" dirty="0"/>
-              <a:t> 구축 후기</a:t>
-            </a:r>
-          </a:p>
-        </p:txBody>
-      </p:sp>
-      <p:sp>
-        <p:nvSpPr>
-          <p:cNvPr id="33" name="TextBox 32">
-            <a:extLst>
-              <a:ext uri="{FF2B5EF4-FFF2-40B4-BE49-F238E27FC236}">
-                <a16:creationId xmlns:a16="http://schemas.microsoft.com/office/drawing/2014/main" id="{06E5CC2F-4FE3-4EDD-BC27-1793964679D6}"/>
-              </a:ext>
-            </a:extLst>
-          </p:cNvPr>
-          <p:cNvSpPr txBox="1"/>
-          <p:nvPr/>
-        </p:nvSpPr>
-        <p:spPr>
-          <a:xfrm>
-            <a:off x="9195132" y="4843185"/>
-            <a:ext cx="2566865" cy="369332"/>
-          </a:xfrm>
-          <a:prstGeom prst="rect">
-            <a:avLst/>
-          </a:prstGeom>
-          <a:noFill/>
-        </p:spPr>
-        <p:txBody>
-          <a:bodyPr wrap="square" rtlCol="0">
-            <a:spAutoFit/>
-          </a:bodyPr>
-          <a:lstStyle/>
-          <a:p>
-            <a:r>
-              <a:rPr lang="ko-KR" altLang="en-US" dirty="0"/>
               <a:t>마무리</a:t>
             </a:r>
           </a:p>
@@ -7168,7 +7183,7 @@
           <p:cNvPr id="34" name="사각형: 둥근 위쪽 모서리 33">
             <a:extLst>
               <a:ext uri="{FF2B5EF4-FFF2-40B4-BE49-F238E27FC236}">
-                <a16:creationId xmlns:a16="http://schemas.microsoft.com/office/drawing/2014/main" id="{31FC06C9-3010-48D1-9022-AEAEDB8B48E5}"/>
+                <a16:creationId xmlns:a16="http://schemas.microsoft.com/office/drawing/2014/main" xmlns="" id="{31FC06C9-3010-48D1-9022-AEAEDB8B48E5}"/>
               </a:ext>
             </a:extLst>
           </p:cNvPr>
@@ -7224,7 +7239,7 @@
           <p:cNvPr id="35" name="사각형: 둥근 위쪽 모서리 34">
             <a:extLst>
               <a:ext uri="{FF2B5EF4-FFF2-40B4-BE49-F238E27FC236}">
-                <a16:creationId xmlns:a16="http://schemas.microsoft.com/office/drawing/2014/main" id="{8B18D3F6-F84F-438C-9D2A-1D69FF537852}"/>
+                <a16:creationId xmlns:a16="http://schemas.microsoft.com/office/drawing/2014/main" xmlns="" id="{8B18D3F6-F84F-438C-9D2A-1D69FF537852}"/>
               </a:ext>
             </a:extLst>
           </p:cNvPr>
@@ -7275,6 +7290,118 @@
           </a:p>
         </p:txBody>
       </p:sp>
+      <p:sp>
+        <p:nvSpPr>
+          <p:cNvPr id="36" name="사각형: 둥근 위쪽 모서리 34">
+            <a:extLst>
+              <a:ext uri="{FF2B5EF4-FFF2-40B4-BE49-F238E27FC236}">
+                <a16:creationId xmlns:a16="http://schemas.microsoft.com/office/drawing/2014/main" xmlns="" id="{8B18D3F6-F84F-438C-9D2A-1D69FF537852}"/>
+              </a:ext>
+            </a:extLst>
+          </p:cNvPr>
+          <p:cNvSpPr/>
+          <p:nvPr/>
+        </p:nvSpPr>
+        <p:spPr>
+          <a:xfrm>
+            <a:off x="4398355" y="3982917"/>
+            <a:ext cx="1184853" cy="199099"/>
+          </a:xfrm>
+          <a:prstGeom prst="round2SameRect">
+            <a:avLst/>
+          </a:prstGeom>
+          <a:solidFill>
+            <a:schemeClr val="bg1"/>
+          </a:solidFill>
+          <a:ln>
+            <a:noFill/>
+          </a:ln>
+        </p:spPr>
+        <p:style>
+          <a:lnRef idx="2">
+            <a:schemeClr val="accent1">
+              <a:shade val="50000"/>
+            </a:schemeClr>
+          </a:lnRef>
+          <a:fillRef idx="1">
+            <a:schemeClr val="accent1"/>
+          </a:fillRef>
+          <a:effectRef idx="0">
+            <a:schemeClr val="accent1"/>
+          </a:effectRef>
+          <a:fontRef idx="minor">
+            <a:schemeClr val="lt1"/>
+          </a:fontRef>
+        </p:style>
+        <p:txBody>
+          <a:bodyPr rtlCol="0" anchor="ctr"/>
+          <a:lstStyle/>
+          <a:p>
+            <a:pPr algn="ctr"/>
+            <a:endParaRPr lang="ko-KR" altLang="en-US" dirty="0">
+              <a:solidFill>
+                <a:prstClr val="white"/>
+              </a:solidFill>
+            </a:endParaRPr>
+          </a:p>
+        </p:txBody>
+      </p:sp>
+      <p:sp>
+        <p:nvSpPr>
+          <p:cNvPr id="37" name="사각형: 둥근 위쪽 모서리 34">
+            <a:extLst>
+              <a:ext uri="{FF2B5EF4-FFF2-40B4-BE49-F238E27FC236}">
+                <a16:creationId xmlns:a16="http://schemas.microsoft.com/office/drawing/2014/main" xmlns="" id="{8B18D3F6-F84F-438C-9D2A-1D69FF537852}"/>
+              </a:ext>
+            </a:extLst>
+          </p:cNvPr>
+          <p:cNvSpPr/>
+          <p:nvPr/>
+        </p:nvSpPr>
+        <p:spPr>
+          <a:xfrm>
+            <a:off x="615372" y="3992442"/>
+            <a:ext cx="1184853" cy="199099"/>
+          </a:xfrm>
+          <a:prstGeom prst="round2SameRect">
+            <a:avLst/>
+          </a:prstGeom>
+          <a:solidFill>
+            <a:schemeClr val="bg1"/>
+          </a:solidFill>
+          <a:ln>
+            <a:noFill/>
+          </a:ln>
+        </p:spPr>
+        <p:style>
+          <a:lnRef idx="2">
+            <a:schemeClr val="accent1">
+              <a:shade val="50000"/>
+            </a:schemeClr>
+          </a:lnRef>
+          <a:fillRef idx="1">
+            <a:schemeClr val="accent1"/>
+          </a:fillRef>
+          <a:effectRef idx="0">
+            <a:schemeClr val="accent1"/>
+          </a:effectRef>
+          <a:fontRef idx="minor">
+            <a:schemeClr val="lt1"/>
+          </a:fontRef>
+        </p:style>
+        <p:txBody>
+          <a:bodyPr rtlCol="0" anchor="ctr"/>
+          <a:lstStyle/>
+          <a:p>
+            <a:pPr algn="ctr"/>
+            <a:endParaRPr lang="ko-KR" altLang="en-US" dirty="0">
+              <a:solidFill>
+                <a:prstClr val="white"/>
+              </a:solidFill>
+            </a:endParaRPr>
+          </a:p>
+        </p:txBody>
+      </p:sp>
     </p:spTree>
     <p:extLst>
       <p:ext uri="{BB962C8B-B14F-4D97-AF65-F5344CB8AC3E}">
@@ -7285,6 +7412,13 @@
   <p:clrMapOvr>
     <a:masterClrMapping/>
   </p:clrMapOvr>
+  <p:timing>
+    <p:tnLst>
+      <p:par>
+        <p:cTn id="1" dur="indefinite" restart="never" nodeType="tmRoot"/>
+      </p:par>
+    </p:tnLst>
+  </p:timing>
 </p:sld>
 </file>
 
@@ -7332,7 +7466,7 @@
             <p:cNvPr id="6" name="사각형: 둥근 위쪽 모서리 5">
               <a:extLst>
                 <a:ext uri="{FF2B5EF4-FFF2-40B4-BE49-F238E27FC236}">
-                  <a16:creationId xmlns:a16="http://schemas.microsoft.com/office/drawing/2014/main" id="{F669D5D3-77E9-03D5-6430-32CD64683AB3}"/>
+                  <a16:creationId xmlns:a16="http://schemas.microsoft.com/office/drawing/2014/main" xmlns="" id="{F669D5D3-77E9-03D5-6430-32CD64683AB3}"/>
                 </a:ext>
               </a:extLst>
             </p:cNvPr>
@@ -7388,7 +7522,7 @@
             <p:cNvPr id="7" name="사각형: 둥근 위쪽 모서리 6">
               <a:extLst>
                 <a:ext uri="{FF2B5EF4-FFF2-40B4-BE49-F238E27FC236}">
-                  <a16:creationId xmlns:a16="http://schemas.microsoft.com/office/drawing/2014/main" id="{9D05BFDF-F517-1901-CF4D-BBC99DE66917}"/>
+                  <a16:creationId xmlns:a16="http://schemas.microsoft.com/office/drawing/2014/main" xmlns="" id="{9D05BFDF-F517-1901-CF4D-BBC99DE66917}"/>
                 </a:ext>
               </a:extLst>
             </p:cNvPr>
@@ -7457,7 +7591,7 @@
             <p:cNvPr id="8" name="타원 7">
               <a:extLst>
                 <a:ext uri="{FF2B5EF4-FFF2-40B4-BE49-F238E27FC236}">
-                  <a16:creationId xmlns:a16="http://schemas.microsoft.com/office/drawing/2014/main" id="{0DB7ACA0-0E50-C79D-1E8F-CFE4E4824989}"/>
+                  <a16:creationId xmlns:a16="http://schemas.microsoft.com/office/drawing/2014/main" xmlns="" id="{0DB7ACA0-0E50-C79D-1E8F-CFE4E4824989}"/>
                 </a:ext>
               </a:extLst>
             </p:cNvPr>
@@ -7518,7 +7652,7 @@
             <p:cNvPr id="9" name="타원 8">
               <a:extLst>
                 <a:ext uri="{FF2B5EF4-FFF2-40B4-BE49-F238E27FC236}">
-                  <a16:creationId xmlns:a16="http://schemas.microsoft.com/office/drawing/2014/main" id="{411747EB-5158-B6AB-DBCD-BDD58A933410}"/>
+                  <a16:creationId xmlns:a16="http://schemas.microsoft.com/office/drawing/2014/main" xmlns="" id="{411747EB-5158-B6AB-DBCD-BDD58A933410}"/>
                 </a:ext>
               </a:extLst>
             </p:cNvPr>
@@ -7579,7 +7713,7 @@
             <p:cNvPr id="10" name="타원 9">
               <a:extLst>
                 <a:ext uri="{FF2B5EF4-FFF2-40B4-BE49-F238E27FC236}">
-                  <a16:creationId xmlns:a16="http://schemas.microsoft.com/office/drawing/2014/main" id="{B6AF9915-5414-9A6D-7BB8-D192173C5DD0}"/>
+                  <a16:creationId xmlns:a16="http://schemas.microsoft.com/office/drawing/2014/main" xmlns="" id="{B6AF9915-5414-9A6D-7BB8-D192173C5DD0}"/>
                 </a:ext>
               </a:extLst>
             </p:cNvPr>
@@ -7640,7 +7774,7 @@
             <p:cNvPr id="12" name="자유형: 도형 11">
               <a:extLst>
                 <a:ext uri="{FF2B5EF4-FFF2-40B4-BE49-F238E27FC236}">
-                  <a16:creationId xmlns:a16="http://schemas.microsoft.com/office/drawing/2014/main" id="{A408C48C-81C6-60E9-846A-4560ABEE1EEB}"/>
+                  <a16:creationId xmlns:a16="http://schemas.microsoft.com/office/drawing/2014/main" xmlns="" id="{A408C48C-81C6-60E9-846A-4560ABEE1EEB}"/>
                 </a:ext>
               </a:extLst>
             </p:cNvPr>
@@ -8151,7 +8285,7 @@
             <p:cNvPr id="14" name="자유형 10">
               <a:extLst>
                 <a:ext uri="{FF2B5EF4-FFF2-40B4-BE49-F238E27FC236}">
-                  <a16:creationId xmlns:a16="http://schemas.microsoft.com/office/drawing/2014/main" id="{A9974E4C-0772-B082-CE8F-98F89C662956}"/>
+                  <a16:creationId xmlns:a16="http://schemas.microsoft.com/office/drawing/2014/main" xmlns="" id="{A9974E4C-0772-B082-CE8F-98F89C662956}"/>
                 </a:ext>
               </a:extLst>
             </p:cNvPr>
@@ -8397,7 +8531,7 @@
           <p:cNvPr id="11" name="사각형: 둥근 위쪽 모서리 10">
             <a:extLst>
               <a:ext uri="{FF2B5EF4-FFF2-40B4-BE49-F238E27FC236}">
-                <a16:creationId xmlns:a16="http://schemas.microsoft.com/office/drawing/2014/main" id="{C574CD32-FA2D-44C5-90B9-082068A804F0}"/>
+                <a16:creationId xmlns:a16="http://schemas.microsoft.com/office/drawing/2014/main" xmlns="" id="{C574CD32-FA2D-44C5-90B9-082068A804F0}"/>
               </a:ext>
             </a:extLst>
           </p:cNvPr>
@@ -8453,7 +8587,7 @@
           <p:cNvPr id="15" name="사각형: 둥근 모서리 14">
             <a:extLst>
               <a:ext uri="{FF2B5EF4-FFF2-40B4-BE49-F238E27FC236}">
-                <a16:creationId xmlns:a16="http://schemas.microsoft.com/office/drawing/2014/main" id="{7379C390-A995-437C-8E59-C3C94789B715}"/>
+                <a16:creationId xmlns:a16="http://schemas.microsoft.com/office/drawing/2014/main" xmlns="" id="{7379C390-A995-437C-8E59-C3C94789B715}"/>
               </a:ext>
             </a:extLst>
           </p:cNvPr>
@@ -8525,7 +8659,7 @@
           <p:cNvPr id="2" name="TextBox 1">
             <a:extLst>
               <a:ext uri="{FF2B5EF4-FFF2-40B4-BE49-F238E27FC236}">
-                <a16:creationId xmlns:a16="http://schemas.microsoft.com/office/drawing/2014/main" id="{4849C051-D3A9-430D-8A17-8E2C4DB64898}"/>
+                <a16:creationId xmlns:a16="http://schemas.microsoft.com/office/drawing/2014/main" xmlns="" id="{4849C051-D3A9-430D-8A17-8E2C4DB64898}"/>
               </a:ext>
             </a:extLst>
           </p:cNvPr>
@@ -8565,7 +8699,7 @@
           <p:cNvPr id="1026" name="Picture 2" descr="Git 사용법] 3장. GitHub 이용하기. 1. GitHub 이란? | by 프시케 | Medium">
             <a:extLst>
               <a:ext uri="{FF2B5EF4-FFF2-40B4-BE49-F238E27FC236}">
-                <a16:creationId xmlns:a16="http://schemas.microsoft.com/office/drawing/2014/main" id="{35029230-7EC6-45C6-B2BC-54386500D2C8}"/>
+                <a16:creationId xmlns:a16="http://schemas.microsoft.com/office/drawing/2014/main" xmlns="" id="{35029230-7EC6-45C6-B2BC-54386500D2C8}"/>
               </a:ext>
             </a:extLst>
           </p:cNvPr>
@@ -8612,7 +8746,7 @@
           <p:cNvPr id="5" name="그림 4">
             <a:extLst>
               <a:ext uri="{FF2B5EF4-FFF2-40B4-BE49-F238E27FC236}">
-                <a16:creationId xmlns:a16="http://schemas.microsoft.com/office/drawing/2014/main" id="{2DC3B09A-6C47-45A6-9257-8D10B1E50039}"/>
+                <a16:creationId xmlns:a16="http://schemas.microsoft.com/office/drawing/2014/main" xmlns="" id="{2DC3B09A-6C47-45A6-9257-8D10B1E50039}"/>
               </a:ext>
             </a:extLst>
           </p:cNvPr>
@@ -8648,7 +8782,7 @@
           <p:cNvPr id="16" name="그림 15">
             <a:extLst>
               <a:ext uri="{FF2B5EF4-FFF2-40B4-BE49-F238E27FC236}">
-                <a16:creationId xmlns:a16="http://schemas.microsoft.com/office/drawing/2014/main" id="{036FE4A2-D82E-461E-A51B-2305F29E042C}"/>
+                <a16:creationId xmlns:a16="http://schemas.microsoft.com/office/drawing/2014/main" xmlns="" id="{036FE4A2-D82E-461E-A51B-2305F29E042C}"/>
               </a:ext>
             </a:extLst>
           </p:cNvPr>
@@ -8671,7 +8805,7 @@
         </p:blipFill>
         <p:spPr>
           <a:xfrm>
-            <a:off x="472530" y="3128220"/>
+            <a:off x="622990" y="3420885"/>
             <a:ext cx="3191320" cy="1876687"/>
           </a:xfrm>
           <a:prstGeom prst="rect">
@@ -8679,6 +8813,59 @@
           </a:prstGeom>
         </p:spPr>
       </p:pic>
+      <p:sp>
+        <p:nvSpPr>
+          <p:cNvPr id="4" name="타원 3"/>
+          <p:cNvSpPr/>
+          <p:nvPr/>
+        </p:nvSpPr>
+        <p:spPr>
+          <a:xfrm>
+            <a:off x="1000125" y="1201233"/>
+            <a:ext cx="2343477" cy="2343477"/>
+          </a:xfrm>
+          <a:prstGeom prst="ellipse">
+            <a:avLst/>
+          </a:prstGeom>
+          <a:blipFill dpi="0" rotWithShape="1">
+            <a:blip r:embed="rId5">
+              <a:extLst>
+                <a:ext uri="{28A0092B-C50C-407E-A947-70E740481C1C}">
+                  <a14:useLocalDpi xmlns:a14="http://schemas.microsoft.com/office/drawing/2010/main" val="0"/>
+                </a:ext>
+              </a:extLst>
+            </a:blip>
+            <a:srcRect/>
+            <a:stretch>
+              <a:fillRect/>
+            </a:stretch>
+          </a:blipFill>
+        </p:spPr>
+        <p:style>
+          <a:lnRef idx="2">
+            <a:schemeClr val="accent1">
+              <a:shade val="50000"/>
+            </a:schemeClr>
+          </a:lnRef>
+          <a:fillRef idx="1">
+            <a:schemeClr val="accent1"/>
+          </a:fillRef>
+          <a:effectRef idx="0">
+            <a:schemeClr val="accent1"/>
+          </a:effectRef>
+          <a:fontRef idx="minor">
+            <a:schemeClr val="lt1"/>
+          </a:fontRef>
+        </p:style>
+        <p:txBody>
+          <a:bodyPr rtlCol="0" anchor="ctr"/>
+          <a:lstStyle/>
+          <a:p>
+            <a:pPr algn="ctr"/>
+            <a:endParaRPr lang="ko-KR" altLang="en-US"/>
+          </a:p>
+        </p:txBody>
+      </p:sp>
     </p:spTree>
     <p:extLst>
       <p:ext uri="{BB962C8B-B14F-4D97-AF65-F5344CB8AC3E}">
@@ -8689,6 +8876,13 @@
   <p:clrMapOvr>
     <a:masterClrMapping/>
   </p:clrMapOvr>
+  <p:timing>
+    <p:tnLst>
+      <p:par>
+        <p:cTn id="1" dur="indefinite" restart="never" nodeType="tmRoot"/>
+      </p:par>
+    </p:tnLst>
+  </p:timing>
 </p:sld>
 </file>
 
@@ -8736,7 +8930,7 @@
             <p:cNvPr id="6" name="사각형: 둥근 위쪽 모서리 5">
               <a:extLst>
                 <a:ext uri="{FF2B5EF4-FFF2-40B4-BE49-F238E27FC236}">
-                  <a16:creationId xmlns:a16="http://schemas.microsoft.com/office/drawing/2014/main" id="{F669D5D3-77E9-03D5-6430-32CD64683AB3}"/>
+                  <a16:creationId xmlns:a16="http://schemas.microsoft.com/office/drawing/2014/main" xmlns="" id="{F669D5D3-77E9-03D5-6430-32CD64683AB3}"/>
                 </a:ext>
               </a:extLst>
             </p:cNvPr>
@@ -8792,7 +8986,7 @@
             <p:cNvPr id="7" name="사각형: 둥근 위쪽 모서리 6">
               <a:extLst>
                 <a:ext uri="{FF2B5EF4-FFF2-40B4-BE49-F238E27FC236}">
-                  <a16:creationId xmlns:a16="http://schemas.microsoft.com/office/drawing/2014/main" id="{9D05BFDF-F517-1901-CF4D-BBC99DE66917}"/>
+                  <a16:creationId xmlns:a16="http://schemas.microsoft.com/office/drawing/2014/main" xmlns="" id="{9D05BFDF-F517-1901-CF4D-BBC99DE66917}"/>
                 </a:ext>
               </a:extLst>
             </p:cNvPr>
@@ -8861,7 +9055,7 @@
             <p:cNvPr id="8" name="타원 7">
               <a:extLst>
                 <a:ext uri="{FF2B5EF4-FFF2-40B4-BE49-F238E27FC236}">
-                  <a16:creationId xmlns:a16="http://schemas.microsoft.com/office/drawing/2014/main" id="{0DB7ACA0-0E50-C79D-1E8F-CFE4E4824989}"/>
+                  <a16:creationId xmlns:a16="http://schemas.microsoft.com/office/drawing/2014/main" xmlns="" id="{0DB7ACA0-0E50-C79D-1E8F-CFE4E4824989}"/>
                 </a:ext>
               </a:extLst>
             </p:cNvPr>
@@ -8922,7 +9116,7 @@
             <p:cNvPr id="9" name="타원 8">
               <a:extLst>
                 <a:ext uri="{FF2B5EF4-FFF2-40B4-BE49-F238E27FC236}">
-                  <a16:creationId xmlns:a16="http://schemas.microsoft.com/office/drawing/2014/main" id="{411747EB-5158-B6AB-DBCD-BDD58A933410}"/>
+                  <a16:creationId xmlns:a16="http://schemas.microsoft.com/office/drawing/2014/main" xmlns="" id="{411747EB-5158-B6AB-DBCD-BDD58A933410}"/>
                 </a:ext>
               </a:extLst>
             </p:cNvPr>
@@ -8983,7 +9177,7 @@
             <p:cNvPr id="10" name="타원 9">
               <a:extLst>
                 <a:ext uri="{FF2B5EF4-FFF2-40B4-BE49-F238E27FC236}">
-                  <a16:creationId xmlns:a16="http://schemas.microsoft.com/office/drawing/2014/main" id="{B6AF9915-5414-9A6D-7BB8-D192173C5DD0}"/>
+                  <a16:creationId xmlns:a16="http://schemas.microsoft.com/office/drawing/2014/main" xmlns="" id="{B6AF9915-5414-9A6D-7BB8-D192173C5DD0}"/>
                 </a:ext>
               </a:extLst>
             </p:cNvPr>
@@ -9044,7 +9238,7 @@
             <p:cNvPr id="12" name="자유형: 도형 11">
               <a:extLst>
                 <a:ext uri="{FF2B5EF4-FFF2-40B4-BE49-F238E27FC236}">
-                  <a16:creationId xmlns:a16="http://schemas.microsoft.com/office/drawing/2014/main" id="{A408C48C-81C6-60E9-846A-4560ABEE1EEB}"/>
+                  <a16:creationId xmlns:a16="http://schemas.microsoft.com/office/drawing/2014/main" xmlns="" id="{A408C48C-81C6-60E9-846A-4560ABEE1EEB}"/>
                 </a:ext>
               </a:extLst>
             </p:cNvPr>
@@ -9555,7 +9749,7 @@
             <p:cNvPr id="14" name="자유형 10">
               <a:extLst>
                 <a:ext uri="{FF2B5EF4-FFF2-40B4-BE49-F238E27FC236}">
-                  <a16:creationId xmlns:a16="http://schemas.microsoft.com/office/drawing/2014/main" id="{A9974E4C-0772-B082-CE8F-98F89C662956}"/>
+                  <a16:creationId xmlns:a16="http://schemas.microsoft.com/office/drawing/2014/main" xmlns="" id="{A9974E4C-0772-B082-CE8F-98F89C662956}"/>
                 </a:ext>
               </a:extLst>
             </p:cNvPr>
@@ -9801,7 +9995,7 @@
           <p:cNvPr id="11" name="사각형: 둥근 위쪽 모서리 10">
             <a:extLst>
               <a:ext uri="{FF2B5EF4-FFF2-40B4-BE49-F238E27FC236}">
-                <a16:creationId xmlns:a16="http://schemas.microsoft.com/office/drawing/2014/main" id="{C574CD32-FA2D-44C5-90B9-082068A804F0}"/>
+                <a16:creationId xmlns:a16="http://schemas.microsoft.com/office/drawing/2014/main" xmlns="" id="{C574CD32-FA2D-44C5-90B9-082068A804F0}"/>
               </a:ext>
             </a:extLst>
           </p:cNvPr>
@@ -9857,7 +10051,7 @@
           <p:cNvPr id="15" name="사각형: 둥근 모서리 14">
             <a:extLst>
               <a:ext uri="{FF2B5EF4-FFF2-40B4-BE49-F238E27FC236}">
-                <a16:creationId xmlns:a16="http://schemas.microsoft.com/office/drawing/2014/main" id="{7379C390-A995-437C-8E59-C3C94789B715}"/>
+                <a16:creationId xmlns:a16="http://schemas.microsoft.com/office/drawing/2014/main" xmlns="" id="{7379C390-A995-437C-8E59-C3C94789B715}"/>
               </a:ext>
             </a:extLst>
           </p:cNvPr>
@@ -9929,7 +10123,7 @@
           <p:cNvPr id="2" name="TextBox 1">
             <a:extLst>
               <a:ext uri="{FF2B5EF4-FFF2-40B4-BE49-F238E27FC236}">
-                <a16:creationId xmlns:a16="http://schemas.microsoft.com/office/drawing/2014/main" id="{4849C051-D3A9-430D-8A17-8E2C4DB64898}"/>
+                <a16:creationId xmlns:a16="http://schemas.microsoft.com/office/drawing/2014/main" xmlns="" id="{4849C051-D3A9-430D-8A17-8E2C4DB64898}"/>
               </a:ext>
             </a:extLst>
           </p:cNvPr>
@@ -9969,7 +10163,7 @@
           <p:cNvPr id="1026" name="Picture 2" descr="Git 사용법] 3장. GitHub 이용하기. 1. GitHub 이란? | by 프시케 | Medium">
             <a:extLst>
               <a:ext uri="{FF2B5EF4-FFF2-40B4-BE49-F238E27FC236}">
-                <a16:creationId xmlns:a16="http://schemas.microsoft.com/office/drawing/2014/main" id="{35029230-7EC6-45C6-B2BC-54386500D2C8}"/>
+                <a16:creationId xmlns:a16="http://schemas.microsoft.com/office/drawing/2014/main" xmlns="" id="{35029230-7EC6-45C6-B2BC-54386500D2C8}"/>
               </a:ext>
             </a:extLst>
           </p:cNvPr>
@@ -10021,6 +10215,13 @@
   <p:clrMapOvr>
     <a:masterClrMapping/>
   </p:clrMapOvr>
+  <p:timing>
+    <p:tnLst>
+      <p:par>
+        <p:cTn id="1" dur="indefinite" restart="never" nodeType="tmRoot"/>
+      </p:par>
+    </p:tnLst>
+  </p:timing>
 </p:sld>
 </file>
 
@@ -10068,7 +10269,7 @@
             <p:cNvPr id="6" name="사각형: 둥근 위쪽 모서리 5">
               <a:extLst>
                 <a:ext uri="{FF2B5EF4-FFF2-40B4-BE49-F238E27FC236}">
-                  <a16:creationId xmlns:a16="http://schemas.microsoft.com/office/drawing/2014/main" id="{F669D5D3-77E9-03D5-6430-32CD64683AB3}"/>
+                  <a16:creationId xmlns:a16="http://schemas.microsoft.com/office/drawing/2014/main" xmlns="" id="{F669D5D3-77E9-03D5-6430-32CD64683AB3}"/>
                 </a:ext>
               </a:extLst>
             </p:cNvPr>
@@ -10124,7 +10325,7 @@
             <p:cNvPr id="7" name="사각형: 둥근 위쪽 모서리 6">
               <a:extLst>
                 <a:ext uri="{FF2B5EF4-FFF2-40B4-BE49-F238E27FC236}">
-                  <a16:creationId xmlns:a16="http://schemas.microsoft.com/office/drawing/2014/main" id="{9D05BFDF-F517-1901-CF4D-BBC99DE66917}"/>
+                  <a16:creationId xmlns:a16="http://schemas.microsoft.com/office/drawing/2014/main" xmlns="" id="{9D05BFDF-F517-1901-CF4D-BBC99DE66917}"/>
                 </a:ext>
               </a:extLst>
             </p:cNvPr>
@@ -10193,7 +10394,7 @@
             <p:cNvPr id="8" name="타원 7">
               <a:extLst>
                 <a:ext uri="{FF2B5EF4-FFF2-40B4-BE49-F238E27FC236}">
-                  <a16:creationId xmlns:a16="http://schemas.microsoft.com/office/drawing/2014/main" id="{0DB7ACA0-0E50-C79D-1E8F-CFE4E4824989}"/>
+                  <a16:creationId xmlns:a16="http://schemas.microsoft.com/office/drawing/2014/main" xmlns="" id="{0DB7ACA0-0E50-C79D-1E8F-CFE4E4824989}"/>
                 </a:ext>
               </a:extLst>
             </p:cNvPr>
@@ -10254,7 +10455,7 @@
             <p:cNvPr id="9" name="타원 8">
               <a:extLst>
                 <a:ext uri="{FF2B5EF4-FFF2-40B4-BE49-F238E27FC236}">
-                  <a16:creationId xmlns:a16="http://schemas.microsoft.com/office/drawing/2014/main" id="{411747EB-5158-B6AB-DBCD-BDD58A933410}"/>
+                  <a16:creationId xmlns:a16="http://schemas.microsoft.com/office/drawing/2014/main" xmlns="" id="{411747EB-5158-B6AB-DBCD-BDD58A933410}"/>
                 </a:ext>
               </a:extLst>
             </p:cNvPr>
@@ -10315,7 +10516,7 @@
             <p:cNvPr id="10" name="타원 9">
               <a:extLst>
                 <a:ext uri="{FF2B5EF4-FFF2-40B4-BE49-F238E27FC236}">
-                  <a16:creationId xmlns:a16="http://schemas.microsoft.com/office/drawing/2014/main" id="{B6AF9915-5414-9A6D-7BB8-D192173C5DD0}"/>
+                  <a16:creationId xmlns:a16="http://schemas.microsoft.com/office/drawing/2014/main" xmlns="" id="{B6AF9915-5414-9A6D-7BB8-D192173C5DD0}"/>
                 </a:ext>
               </a:extLst>
             </p:cNvPr>
@@ -10376,7 +10577,7 @@
             <p:cNvPr id="12" name="자유형: 도형 11">
               <a:extLst>
                 <a:ext uri="{FF2B5EF4-FFF2-40B4-BE49-F238E27FC236}">
-                  <a16:creationId xmlns:a16="http://schemas.microsoft.com/office/drawing/2014/main" id="{A408C48C-81C6-60E9-846A-4560ABEE1EEB}"/>
+                  <a16:creationId xmlns:a16="http://schemas.microsoft.com/office/drawing/2014/main" xmlns="" id="{A408C48C-81C6-60E9-846A-4560ABEE1EEB}"/>
                 </a:ext>
               </a:extLst>
             </p:cNvPr>
@@ -10887,7 +11088,7 @@
             <p:cNvPr id="14" name="자유형 10">
               <a:extLst>
                 <a:ext uri="{FF2B5EF4-FFF2-40B4-BE49-F238E27FC236}">
-                  <a16:creationId xmlns:a16="http://schemas.microsoft.com/office/drawing/2014/main" id="{A9974E4C-0772-B082-CE8F-98F89C662956}"/>
+                  <a16:creationId xmlns:a16="http://schemas.microsoft.com/office/drawing/2014/main" xmlns="" id="{A9974E4C-0772-B082-CE8F-98F89C662956}"/>
                 </a:ext>
               </a:extLst>
             </p:cNvPr>
@@ -11133,7 +11334,7 @@
           <p:cNvPr id="11" name="사각형: 둥근 위쪽 모서리 10">
             <a:extLst>
               <a:ext uri="{FF2B5EF4-FFF2-40B4-BE49-F238E27FC236}">
-                <a16:creationId xmlns:a16="http://schemas.microsoft.com/office/drawing/2014/main" id="{C574CD32-FA2D-44C5-90B9-082068A804F0}"/>
+                <a16:creationId xmlns:a16="http://schemas.microsoft.com/office/drawing/2014/main" xmlns="" id="{C574CD32-FA2D-44C5-90B9-082068A804F0}"/>
               </a:ext>
             </a:extLst>
           </p:cNvPr>
@@ -11189,7 +11390,7 @@
           <p:cNvPr id="15" name="사각형: 둥근 모서리 14">
             <a:extLst>
               <a:ext uri="{FF2B5EF4-FFF2-40B4-BE49-F238E27FC236}">
-                <a16:creationId xmlns:a16="http://schemas.microsoft.com/office/drawing/2014/main" id="{7379C390-A995-437C-8E59-C3C94789B715}"/>
+                <a16:creationId xmlns:a16="http://schemas.microsoft.com/office/drawing/2014/main" xmlns="" id="{7379C390-A995-437C-8E59-C3C94789B715}"/>
               </a:ext>
             </a:extLst>
           </p:cNvPr>
@@ -11261,7 +11462,7 @@
           <p:cNvPr id="2" name="TextBox 1">
             <a:extLst>
               <a:ext uri="{FF2B5EF4-FFF2-40B4-BE49-F238E27FC236}">
-                <a16:creationId xmlns:a16="http://schemas.microsoft.com/office/drawing/2014/main" id="{4849C051-D3A9-430D-8A17-8E2C4DB64898}"/>
+                <a16:creationId xmlns:a16="http://schemas.microsoft.com/office/drawing/2014/main" xmlns="" id="{4849C051-D3A9-430D-8A17-8E2C4DB64898}"/>
               </a:ext>
             </a:extLst>
           </p:cNvPr>
@@ -11301,7 +11502,7 @@
           <p:cNvPr id="1026" name="Picture 2" descr="Git 사용법] 3장. GitHub 이용하기. 1. GitHub 이란? | by 프시케 | Medium">
             <a:extLst>
               <a:ext uri="{FF2B5EF4-FFF2-40B4-BE49-F238E27FC236}">
-                <a16:creationId xmlns:a16="http://schemas.microsoft.com/office/drawing/2014/main" id="{35029230-7EC6-45C6-B2BC-54386500D2C8}"/>
+                <a16:creationId xmlns:a16="http://schemas.microsoft.com/office/drawing/2014/main" xmlns="" id="{35029230-7EC6-45C6-B2BC-54386500D2C8}"/>
               </a:ext>
             </a:extLst>
           </p:cNvPr>
@@ -11353,6 +11554,13 @@
   <p:clrMapOvr>
     <a:masterClrMapping/>
   </p:clrMapOvr>
+  <p:timing>
+    <p:tnLst>
+      <p:par>
+        <p:cTn id="1" dur="indefinite" restart="never" nodeType="tmRoot"/>
+      </p:par>
+    </p:tnLst>
+  </p:timing>
 </p:sld>
 </file>
 
@@ -11399,7 +11607,7 @@
     </a:clrScheme>
     <a:fontScheme name="Office">
       <a:majorFont>
-        <a:latin typeface="맑은 고딕" panose="020F0302020204030204"/>
+        <a:latin typeface="맑은 고딕"/>
         <a:ea typeface=""/>
         <a:cs typeface=""/>
         <a:font script="Jpan" typeface="游ゴシック Light"/>
@@ -11451,7 +11659,7 @@
         <a:font script="Tfng" typeface="Ebrima"/>
       </a:majorFont>
       <a:minorFont>
-        <a:latin typeface="맑은 고딕" panose="020F0502020204030204"/>
+        <a:latin typeface="맑은 고딕"/>
         <a:ea typeface=""/>
         <a:cs typeface=""/>
         <a:font script="Jpan" typeface="游ゴシック"/>
@@ -11645,7 +11853,7 @@
   <a:extraClrSchemeLst/>
   <a:extLst>
     <a:ext uri="{05A4C25C-085E-4340-85A3-A5531E510DB2}">
-      <thm15:themeFamily xmlns:thm15="http://schemas.microsoft.com/office/thememl/2012/main" name="Office Theme" id="{62F939B6-93AF-4DB8-9C6B-D6C7DFDC589F}" vid="{4A3C46E8-61CC-4603-A589-7422A47A8E4A}"/>
+      <thm15:themeFamily xmlns:thm15="http://schemas.microsoft.com/office/thememl/2012/main" xmlns="" name="Office Theme" id="{62F939B6-93AF-4DB8-9C6B-D6C7DFDC589F}" vid="{4A3C46E8-61CC-4603-A589-7422A47A8E4A}"/>
     </a:ext>
   </a:extLst>
 </a:theme>
